--- a/Minor.pptx
+++ b/Minor.pptx
@@ -5536,36 +5536,6 @@
       </p:grpSpPr>
       <p:sp>
         <p:nvSpPr>
-          <p:cNvPr id="4" name="TextBox 3"/>
-          <p:cNvSpPr txBox="1"/>
-          <p:nvPr/>
-        </p:nvSpPr>
-        <p:spPr>
-          <a:xfrm>
-            <a:off x="802255" y="250166"/>
-            <a:ext cx="9066363" cy="784830"/>
-          </a:xfrm>
-          <a:prstGeom prst="rect">
-            <a:avLst/>
-          </a:prstGeom>
-          <a:noFill/>
-        </p:spPr>
-        <p:txBody>
-          <a:bodyPr wrap="square" rtlCol="0">
-            <a:spAutoFit/>
-          </a:bodyPr>
-          <a:lstStyle/>
-          <a:p>
-            <a:r>
-              <a:rPr lang="en-US" sz="4500" b="1" dirty="0" smtClean="0"/>
-              <a:t>Problems with Static Authentication</a:t>
-            </a:r>
-            <a:endParaRPr lang="en-IN" sz="4500" b="1" dirty="0"/>
-          </a:p>
-        </p:txBody>
-      </p:sp>
-      <p:sp>
-        <p:nvSpPr>
           <p:cNvPr id="5" name="Rectangle 4">
             <a:extLst>
               <a:ext uri="{FF2B5EF4-FFF2-40B4-BE49-F238E27FC236}">
@@ -5578,7 +5548,7 @@
         </p:nvSpPr>
         <p:spPr>
           <a:xfrm>
-            <a:off x="802255" y="1355049"/>
+            <a:off x="902839" y="1441097"/>
             <a:ext cx="9946257" cy="2462213"/>
           </a:xfrm>
           <a:prstGeom prst="rect">
@@ -5591,15 +5561,15 @@
           </a:bodyPr>
           <a:lstStyle/>
           <a:p>
+            <a:r>
+              <a:rPr lang="en-IN" sz="2200" dirty="0" smtClean="0"/>
+              <a:t>There are static user authentication system but it has the following drawbacks:-</a:t>
+            </a:r>
+            <a:endParaRPr lang="en-IN" sz="2200" dirty="0"/>
+          </a:p>
+          <a:p>
             <a:pPr algn="just"/>
-            <a:r>
-              <a:rPr lang="en-IN" sz="2200" b="1" u="sng" dirty="0"/>
-              <a:t>Static User Authentications System</a:t>
-            </a:r>
-          </a:p>
-          <a:p>
-            <a:pPr algn="just"/>
-            <a:endParaRPr lang="en-IN" sz="2200" b="1" u="sng" dirty="0"/>
+            <a:endParaRPr lang="en-IN" sz="2200" b="1" u="sng" dirty="0" smtClean="0"/>
           </a:p>
           <a:p>
             <a:pPr marL="285750" indent="-285750" algn="just">
@@ -5607,7 +5577,7 @@
               <a:buChar char="•"/>
             </a:pPr>
             <a:r>
-              <a:rPr lang="en-IN" sz="2200" dirty="0"/>
+              <a:rPr lang="en-IN" sz="2200" dirty="0" smtClean="0"/>
               <a:t>A person has to individually stand in front of camera to get access and wastes 1 min (approx.)</a:t>
             </a:r>
           </a:p>
@@ -5617,8 +5587,12 @@
               <a:buChar char="•"/>
             </a:pPr>
             <a:r>
+              <a:rPr lang="en-IN" sz="2200" dirty="0" smtClean="0"/>
+              <a:t>It </a:t>
+            </a:r>
+            <a:r>
               <a:rPr lang="en-IN" sz="2200" dirty="0"/>
-              <a:t>It can’t cover a large entrance</a:t>
+              <a:t>can’t cover a large entrance</a:t>
             </a:r>
           </a:p>
           <a:p>
@@ -5680,6 +5654,36 @@
           </a:extLst>
         </p:spPr>
       </p:pic>
+      <p:sp>
+        <p:nvSpPr>
+          <p:cNvPr id="2" name="TextBox 1"/>
+          <p:cNvSpPr txBox="1"/>
+          <p:nvPr/>
+        </p:nvSpPr>
+        <p:spPr>
+          <a:xfrm>
+            <a:off x="902839" y="237743"/>
+            <a:ext cx="7717536" cy="784830"/>
+          </a:xfrm>
+          <a:prstGeom prst="rect">
+            <a:avLst/>
+          </a:prstGeom>
+          <a:noFill/>
+        </p:spPr>
+        <p:txBody>
+          <a:bodyPr wrap="square" rtlCol="0">
+            <a:spAutoFit/>
+          </a:bodyPr>
+          <a:lstStyle/>
+          <a:p>
+            <a:r>
+              <a:rPr lang="en-US" sz="4500" b="1" dirty="0" smtClean="0"/>
+              <a:t>Motivation</a:t>
+            </a:r>
+            <a:endParaRPr lang="en-IN" sz="4500" b="1" dirty="0"/>
+          </a:p>
+        </p:txBody>
+      </p:sp>
     </p:spTree>
     <p:extLst>
       <p:ext uri="{BB962C8B-B14F-4D97-AF65-F5344CB8AC3E}">
@@ -5719,7 +5723,7 @@
         <p:spPr>
           <a:xfrm>
             <a:off x="917275" y="1783477"/>
-            <a:ext cx="9836069" cy="3416320"/>
+            <a:ext cx="9836069" cy="3693319"/>
           </a:xfrm>
           <a:prstGeom prst="rect">
             <a:avLst/>
@@ -5732,16 +5736,8 @@
           <a:lstStyle/>
           <a:p>
             <a:r>
-              <a:rPr lang="en-IN" b="1" u="sng" dirty="0"/>
-              <a:t>Dynamic </a:t>
-            </a:r>
-            <a:r>
-              <a:rPr lang="en-IN" b="1" u="sng" dirty="0" smtClean="0"/>
-              <a:t>Human </a:t>
-            </a:r>
-            <a:r>
-              <a:rPr lang="en-IN" b="1" u="sng" dirty="0"/>
-              <a:t>Authentications System</a:t>
+              <a:rPr lang="en-US" dirty="0" smtClean="0"/>
+              <a:t>With the static authentication having those drawbacks, the need of the hour is to do the same process of authentication in a much optimized way, which can be done via dynamic user authentication system.</a:t>
             </a:r>
           </a:p>
           <a:p>
@@ -5887,7 +5883,7 @@
         </p:nvSpPr>
         <p:spPr>
           <a:xfrm>
-            <a:off x="917275" y="353683"/>
+            <a:off x="816691" y="289675"/>
             <a:ext cx="6881005" cy="784830"/>
           </a:xfrm>
           <a:prstGeom prst="rect">
@@ -5903,7 +5899,7 @@
           <a:p>
             <a:r>
               <a:rPr lang="en-US" sz="4500" b="1" dirty="0" smtClean="0"/>
-              <a:t>Need of the Hour</a:t>
+              <a:t>Objective</a:t>
             </a:r>
             <a:endParaRPr lang="en-IN" sz="4500" b="1" dirty="0"/>
           </a:p>

--- a/Minor.pptx
+++ b/Minor.pptx
@@ -15,10 +15,10 @@
     <p:sldId id="260" r:id="rId6"/>
     <p:sldId id="261" r:id="rId7"/>
     <p:sldId id="262" r:id="rId8"/>
-    <p:sldId id="263" r:id="rId9"/>
-    <p:sldId id="264" r:id="rId10"/>
-    <p:sldId id="268" r:id="rId11"/>
-    <p:sldId id="265" r:id="rId12"/>
+    <p:sldId id="264" r:id="rId9"/>
+    <p:sldId id="265" r:id="rId10"/>
+    <p:sldId id="263" r:id="rId11"/>
+    <p:sldId id="268" r:id="rId12"/>
     <p:sldId id="266" r:id="rId13"/>
     <p:sldId id="267" r:id="rId14"/>
   </p:sldIdLst>
@@ -542,7 +542,7 @@
           <a:p>
             <a:fld id="{0BC483C2-7D7E-4F18-B9A3-FED4A3B885C4}" type="slidenum">
               <a:rPr lang="en-IN" smtClean="0"/>
-              <a:t>8</a:t>
+              <a:t>10</a:t>
             </a:fld>
             <a:endParaRPr lang="en-IN"/>
           </a:p>
@@ -692,7 +692,7 @@
           <a:p>
             <a:fld id="{0C039C16-19C8-4441-8491-6AEC6A511B4B}" type="datetimeFigureOut">
               <a:rPr lang="en-IN" smtClean="0"/>
-              <a:t>17-05-2020</a:t>
+              <a:t>18-05-2020</a:t>
             </a:fld>
             <a:endParaRPr lang="en-IN"/>
           </a:p>
@@ -862,7 +862,7 @@
           <a:p>
             <a:fld id="{0C039C16-19C8-4441-8491-6AEC6A511B4B}" type="datetimeFigureOut">
               <a:rPr lang="en-IN" smtClean="0"/>
-              <a:t>17-05-2020</a:t>
+              <a:t>18-05-2020</a:t>
             </a:fld>
             <a:endParaRPr lang="en-IN"/>
           </a:p>
@@ -1042,7 +1042,7 @@
           <a:p>
             <a:fld id="{0C039C16-19C8-4441-8491-6AEC6A511B4B}" type="datetimeFigureOut">
               <a:rPr lang="en-IN" smtClean="0"/>
-              <a:t>17-05-2020</a:t>
+              <a:t>18-05-2020</a:t>
             </a:fld>
             <a:endParaRPr lang="en-IN"/>
           </a:p>
@@ -1212,7 +1212,7 @@
           <a:p>
             <a:fld id="{0C039C16-19C8-4441-8491-6AEC6A511B4B}" type="datetimeFigureOut">
               <a:rPr lang="en-IN" smtClean="0"/>
-              <a:t>17-05-2020</a:t>
+              <a:t>18-05-2020</a:t>
             </a:fld>
             <a:endParaRPr lang="en-IN"/>
           </a:p>
@@ -1458,7 +1458,7 @@
           <a:p>
             <a:fld id="{0C039C16-19C8-4441-8491-6AEC6A511B4B}" type="datetimeFigureOut">
               <a:rPr lang="en-IN" smtClean="0"/>
-              <a:t>17-05-2020</a:t>
+              <a:t>18-05-2020</a:t>
             </a:fld>
             <a:endParaRPr lang="en-IN"/>
           </a:p>
@@ -1690,7 +1690,7 @@
           <a:p>
             <a:fld id="{0C039C16-19C8-4441-8491-6AEC6A511B4B}" type="datetimeFigureOut">
               <a:rPr lang="en-IN" smtClean="0"/>
-              <a:t>17-05-2020</a:t>
+              <a:t>18-05-2020</a:t>
             </a:fld>
             <a:endParaRPr lang="en-IN"/>
           </a:p>
@@ -2057,7 +2057,7 @@
           <a:p>
             <a:fld id="{0C039C16-19C8-4441-8491-6AEC6A511B4B}" type="datetimeFigureOut">
               <a:rPr lang="en-IN" smtClean="0"/>
-              <a:t>17-05-2020</a:t>
+              <a:t>18-05-2020</a:t>
             </a:fld>
             <a:endParaRPr lang="en-IN"/>
           </a:p>
@@ -2175,7 +2175,7 @@
           <a:p>
             <a:fld id="{0C039C16-19C8-4441-8491-6AEC6A511B4B}" type="datetimeFigureOut">
               <a:rPr lang="en-IN" smtClean="0"/>
-              <a:t>17-05-2020</a:t>
+              <a:t>18-05-2020</a:t>
             </a:fld>
             <a:endParaRPr lang="en-IN"/>
           </a:p>
@@ -2270,7 +2270,7 @@
           <a:p>
             <a:fld id="{0C039C16-19C8-4441-8491-6AEC6A511B4B}" type="datetimeFigureOut">
               <a:rPr lang="en-IN" smtClean="0"/>
-              <a:t>17-05-2020</a:t>
+              <a:t>18-05-2020</a:t>
             </a:fld>
             <a:endParaRPr lang="en-IN"/>
           </a:p>
@@ -2547,7 +2547,7 @@
           <a:p>
             <a:fld id="{0C039C16-19C8-4441-8491-6AEC6A511B4B}" type="datetimeFigureOut">
               <a:rPr lang="en-IN" smtClean="0"/>
-              <a:t>17-05-2020</a:t>
+              <a:t>18-05-2020</a:t>
             </a:fld>
             <a:endParaRPr lang="en-IN"/>
           </a:p>
@@ -2800,7 +2800,7 @@
           <a:p>
             <a:fld id="{0C039C16-19C8-4441-8491-6AEC6A511B4B}" type="datetimeFigureOut">
               <a:rPr lang="en-IN" smtClean="0"/>
-              <a:t>17-05-2020</a:t>
+              <a:t>18-05-2020</a:t>
             </a:fld>
             <a:endParaRPr lang="en-IN"/>
           </a:p>
@@ -3013,7 +3013,7 @@
           <a:p>
             <a:fld id="{0C039C16-19C8-4441-8491-6AEC6A511B4B}" type="datetimeFigureOut">
               <a:rPr lang="en-IN" smtClean="0"/>
-              <a:t>17-05-2020</a:t>
+              <a:t>18-05-2020</a:t>
             </a:fld>
             <a:endParaRPr lang="en-IN"/>
           </a:p>
@@ -3423,7 +3423,7 @@
           <p:cNvPr id="7" name="Content Placeholder 2">
             <a:extLst>
               <a:ext uri="{FF2B5EF4-FFF2-40B4-BE49-F238E27FC236}">
-                <a16:creationId xmlns:a16="http://schemas.microsoft.com/office/drawing/2014/main" xmlns="" id="{8368BE43-2201-4A5B-97DD-06FF9DBB5F24}"/>
+                <a16:creationId xmlns="" xmlns:a16="http://schemas.microsoft.com/office/drawing/2014/main" id="{8368BE43-2201-4A5B-97DD-06FF9DBB5F24}"/>
               </a:ext>
             </a:extLst>
           </p:cNvPr>
@@ -3623,7 +3623,7 @@
           <p:cNvPr id="2" name="Rectangle 1">
             <a:extLst>
               <a:ext uri="{FF2B5EF4-FFF2-40B4-BE49-F238E27FC236}">
-                <a16:creationId xmlns:a16="http://schemas.microsoft.com/office/drawing/2014/main" xmlns="" id="{70AD63ED-062F-451A-A9BD-C79988F25481}"/>
+                <a16:creationId xmlns="" xmlns:a16="http://schemas.microsoft.com/office/drawing/2014/main" id="{70AD63ED-062F-451A-A9BD-C79988F25481}"/>
               </a:ext>
             </a:extLst>
           </p:cNvPr>
@@ -3844,6 +3844,66 @@
 </file>
 
 <file path=ppt/slides/slide10.xml><?xml version="1.0" encoding="utf-8"?>
+<p:sld xmlns:a="http://schemas.openxmlformats.org/drawingml/2006/main" xmlns:r="http://schemas.openxmlformats.org/officeDocument/2006/relationships" xmlns:p="http://schemas.openxmlformats.org/presentationml/2006/main">
+  <p:cSld>
+    <p:spTree>
+      <p:nvGrpSpPr>
+        <p:cNvPr id="1" name=""/>
+        <p:cNvGrpSpPr/>
+        <p:nvPr/>
+      </p:nvGrpSpPr>
+      <p:grpSpPr>
+        <a:xfrm>
+          <a:off x="0" y="0"/>
+          <a:ext cx="0" cy="0"/>
+          <a:chOff x="0" y="0"/>
+          <a:chExt cx="0" cy="0"/>
+        </a:xfrm>
+      </p:grpSpPr>
+      <p:pic>
+        <p:nvPicPr>
+          <p:cNvPr id="2" name="Picture 1"/>
+          <p:cNvPicPr>
+            <a:picLocks noChangeAspect="1"/>
+          </p:cNvPicPr>
+          <p:nvPr/>
+        </p:nvPicPr>
+        <p:blipFill>
+          <a:blip r:embed="rId3">
+            <a:extLst>
+              <a:ext uri="{28A0092B-C50C-407E-A947-70E740481C1C}">
+                <a14:useLocalDpi xmlns:a14="http://schemas.microsoft.com/office/drawing/2010/main" val="0"/>
+              </a:ext>
+            </a:extLst>
+          </a:blip>
+          <a:stretch>
+            <a:fillRect/>
+          </a:stretch>
+        </p:blipFill>
+        <p:spPr>
+          <a:xfrm>
+            <a:off x="0" y="0"/>
+            <a:ext cx="12192000" cy="6858000"/>
+          </a:xfrm>
+          <a:prstGeom prst="rect">
+            <a:avLst/>
+          </a:prstGeom>
+        </p:spPr>
+      </p:pic>
+    </p:spTree>
+    <p:extLst>
+      <p:ext uri="{BB962C8B-B14F-4D97-AF65-F5344CB8AC3E}">
+        <p14:creationId xmlns:p14="http://schemas.microsoft.com/office/powerpoint/2010/main" val="3111193512"/>
+      </p:ext>
+    </p:extLst>
+  </p:cSld>
+  <p:clrMapOvr>
+    <a:masterClrMapping/>
+  </p:clrMapOvr>
+</p:sld>
+</file>
+
+<file path=ppt/slides/slide11.xml><?xml version="1.0" encoding="utf-8"?>
 <p:sld xmlns:a="http://schemas.openxmlformats.org/drawingml/2006/main" xmlns:r="http://schemas.openxmlformats.org/officeDocument/2006/relationships" xmlns:p="http://schemas.openxmlformats.org/presentationml/2006/main">
   <p:cSld>
     <p:spTree>
@@ -3903,96 +3963,6 @@
 </p:sld>
 </file>
 
-<file path=ppt/slides/slide11.xml><?xml version="1.0" encoding="utf-8"?>
-<p:sld xmlns:a="http://schemas.openxmlformats.org/drawingml/2006/main" xmlns:r="http://schemas.openxmlformats.org/officeDocument/2006/relationships" xmlns:p="http://schemas.openxmlformats.org/presentationml/2006/main">
-  <p:cSld>
-    <p:spTree>
-      <p:nvGrpSpPr>
-        <p:cNvPr id="1" name=""/>
-        <p:cNvGrpSpPr/>
-        <p:nvPr/>
-      </p:nvGrpSpPr>
-      <p:grpSpPr>
-        <a:xfrm>
-          <a:off x="0" y="0"/>
-          <a:ext cx="0" cy="0"/>
-          <a:chOff x="0" y="0"/>
-          <a:chExt cx="0" cy="0"/>
-        </a:xfrm>
-      </p:grpSpPr>
-      <p:pic>
-        <p:nvPicPr>
-          <p:cNvPr id="2" name="Picture 1"/>
-          <p:cNvPicPr>
-            <a:picLocks noChangeAspect="1"/>
-          </p:cNvPicPr>
-          <p:nvPr/>
-        </p:nvPicPr>
-        <p:blipFill>
-          <a:blip r:embed="rId2">
-            <a:extLst>
-              <a:ext uri="{28A0092B-C50C-407E-A947-70E740481C1C}">
-                <a14:useLocalDpi xmlns:a14="http://schemas.microsoft.com/office/drawing/2010/main" val="0"/>
-              </a:ext>
-            </a:extLst>
-          </a:blip>
-          <a:stretch>
-            <a:fillRect/>
-          </a:stretch>
-        </p:blipFill>
-        <p:spPr>
-          <a:xfrm>
-            <a:off x="754671" y="2326884"/>
-            <a:ext cx="10058400" cy="3273130"/>
-          </a:xfrm>
-          <a:prstGeom prst="rect">
-            <a:avLst/>
-          </a:prstGeom>
-        </p:spPr>
-      </p:pic>
-      <p:sp>
-        <p:nvSpPr>
-          <p:cNvPr id="3" name="TextBox 2"/>
-          <p:cNvSpPr txBox="1"/>
-          <p:nvPr/>
-        </p:nvSpPr>
-        <p:spPr>
-          <a:xfrm>
-            <a:off x="608021" y="871268"/>
-            <a:ext cx="10118785" cy="646331"/>
-          </a:xfrm>
-          <a:prstGeom prst="rect">
-            <a:avLst/>
-          </a:prstGeom>
-          <a:noFill/>
-        </p:spPr>
-        <p:txBody>
-          <a:bodyPr wrap="square" rtlCol="0">
-            <a:spAutoFit/>
-          </a:bodyPr>
-          <a:lstStyle/>
-          <a:p>
-            <a:r>
-              <a:rPr lang="en-US" dirty="0" smtClean="0"/>
-              <a:t>The traveler then receives an email about their trip with details like station name, entry and exit time and fare. In this way the traveler will have the logs of his/her travel history.</a:t>
-            </a:r>
-            <a:endParaRPr lang="en-IN" dirty="0"/>
-          </a:p>
-        </p:txBody>
-      </p:sp>
-    </p:spTree>
-    <p:extLst>
-      <p:ext uri="{BB962C8B-B14F-4D97-AF65-F5344CB8AC3E}">
-        <p14:creationId xmlns:p14="http://schemas.microsoft.com/office/powerpoint/2010/main" val="3045682638"/>
-      </p:ext>
-    </p:extLst>
-  </p:cSld>
-  <p:clrMapOvr>
-    <a:masterClrMapping/>
-  </p:clrMapOvr>
-</p:sld>
-</file>
-
 <file path=ppt/slides/slide12.xml><?xml version="1.0" encoding="utf-8"?>
 <p:sld xmlns:a="http://schemas.openxmlformats.org/drawingml/2006/main" xmlns:r="http://schemas.openxmlformats.org/officeDocument/2006/relationships" xmlns:p="http://schemas.openxmlformats.org/presentationml/2006/main">
   <p:cSld>
@@ -4015,7 +3985,7 @@
           <p:cNvPr id="7" name="Content Placeholder 2">
             <a:extLst>
               <a:ext uri="{FF2B5EF4-FFF2-40B4-BE49-F238E27FC236}">
-                <a16:creationId xmlns:a16="http://schemas.microsoft.com/office/drawing/2014/main" xmlns="" id="{CA26F12D-815B-45CD-9978-77690CB8128B}"/>
+                <a16:creationId xmlns="" xmlns:a16="http://schemas.microsoft.com/office/drawing/2014/main" id="{CA26F12D-815B-45CD-9978-77690CB8128B}"/>
               </a:ext>
             </a:extLst>
           </p:cNvPr>
@@ -4250,7 +4220,7 @@
           <p:cNvPr id="8" name="TextBox 7">
             <a:extLst>
               <a:ext uri="{FF2B5EF4-FFF2-40B4-BE49-F238E27FC236}">
-                <a16:creationId xmlns:a16="http://schemas.microsoft.com/office/drawing/2014/main" xmlns="" id="{5E9CDC54-A250-49E0-B4C2-0A04DDEB161C}"/>
+                <a16:creationId xmlns="" xmlns:a16="http://schemas.microsoft.com/office/drawing/2014/main" id="{5E9CDC54-A250-49E0-B4C2-0A04DDEB161C}"/>
               </a:ext>
             </a:extLst>
           </p:cNvPr>
@@ -4296,7 +4266,7 @@
           <p:cNvPr id="10" name="Content Placeholder 2">
             <a:extLst>
               <a:ext uri="{FF2B5EF4-FFF2-40B4-BE49-F238E27FC236}">
-                <a16:creationId xmlns:a16="http://schemas.microsoft.com/office/drawing/2014/main" xmlns="" id="{C8F1264B-EB10-433E-BAC6-6DD5225AA739}"/>
+                <a16:creationId xmlns="" xmlns:a16="http://schemas.microsoft.com/office/drawing/2014/main" id="{C8F1264B-EB10-433E-BAC6-6DD5225AA739}"/>
               </a:ext>
             </a:extLst>
           </p:cNvPr>
@@ -4383,7 +4353,7 @@
           <p:cNvPr id="13" name="Straight Connector 12">
             <a:extLst>
               <a:ext uri="{FF2B5EF4-FFF2-40B4-BE49-F238E27FC236}">
-                <a16:creationId xmlns:a16="http://schemas.microsoft.com/office/drawing/2014/main" xmlns="" id="{E142C477-8E62-4286-983B-D9706A354E17}"/>
+                <a16:creationId xmlns="" xmlns:a16="http://schemas.microsoft.com/office/drawing/2014/main" id="{E142C477-8E62-4286-983B-D9706A354E17}"/>
               </a:ext>
             </a:extLst>
           </p:cNvPr>
@@ -4426,7 +4396,7 @@
           <p:cNvPr id="20" name="Group 19">
             <a:extLst>
               <a:ext uri="{FF2B5EF4-FFF2-40B4-BE49-F238E27FC236}">
-                <a16:creationId xmlns:a16="http://schemas.microsoft.com/office/drawing/2014/main" xmlns="" id="{93BCB423-C962-4E94-9F53-EF6020E54F8A}"/>
+                <a16:creationId xmlns="" xmlns:a16="http://schemas.microsoft.com/office/drawing/2014/main" id="{93BCB423-C962-4E94-9F53-EF6020E54F8A}"/>
               </a:ext>
             </a:extLst>
           </p:cNvPr>
@@ -4446,7 +4416,7 @@
             <p:cNvPr id="7170" name="Picture 2" descr="Image result for opencv logo">
               <a:extLst>
                 <a:ext uri="{FF2B5EF4-FFF2-40B4-BE49-F238E27FC236}">
-                  <a16:creationId xmlns:a16="http://schemas.microsoft.com/office/drawing/2014/main" xmlns="" id="{FD3255B7-0AF7-452E-BBA0-0D562E2BE48F}"/>
+                  <a16:creationId xmlns="" xmlns:a16="http://schemas.microsoft.com/office/drawing/2014/main" id="{FD3255B7-0AF7-452E-BBA0-0D562E2BE48F}"/>
                 </a:ext>
               </a:extLst>
             </p:cNvPr>
@@ -4493,7 +4463,7 @@
             <p:cNvPr id="7172" name="Picture 4" descr="Image result for python logo">
               <a:extLst>
                 <a:ext uri="{FF2B5EF4-FFF2-40B4-BE49-F238E27FC236}">
-                  <a16:creationId xmlns:a16="http://schemas.microsoft.com/office/drawing/2014/main" xmlns="" id="{81388D05-1C95-4449-B2B3-79969A5D5573}"/>
+                  <a16:creationId xmlns="" xmlns:a16="http://schemas.microsoft.com/office/drawing/2014/main" id="{81388D05-1C95-4449-B2B3-79969A5D5573}"/>
                 </a:ext>
               </a:extLst>
             </p:cNvPr>
@@ -4540,7 +4510,7 @@
             <p:cNvPr id="19" name="Picture 18">
               <a:extLst>
                 <a:ext uri="{FF2B5EF4-FFF2-40B4-BE49-F238E27FC236}">
-                  <a16:creationId xmlns:a16="http://schemas.microsoft.com/office/drawing/2014/main" xmlns="" id="{94BBA87C-1212-47A6-857C-23806DD24289}"/>
+                  <a16:creationId xmlns="" xmlns:a16="http://schemas.microsoft.com/office/drawing/2014/main" id="{94BBA87C-1212-47A6-857C-23806DD24289}"/>
                 </a:ext>
               </a:extLst>
             </p:cNvPr>
@@ -4576,7 +4546,7 @@
             <p:cNvPr id="7174" name="Picture 6" descr="Related image">
               <a:extLst>
                 <a:ext uri="{FF2B5EF4-FFF2-40B4-BE49-F238E27FC236}">
-                  <a16:creationId xmlns:a16="http://schemas.microsoft.com/office/drawing/2014/main" xmlns="" id="{D29803B2-1DCC-4F13-ADB3-0303275DC69E}"/>
+                  <a16:creationId xmlns="" xmlns:a16="http://schemas.microsoft.com/office/drawing/2014/main" id="{D29803B2-1DCC-4F13-ADB3-0303275DC69E}"/>
                 </a:ext>
               </a:extLst>
             </p:cNvPr>
@@ -4634,7 +4604,7 @@
           <p:cNvPr id="23" name="Group 22">
             <a:extLst>
               <a:ext uri="{FF2B5EF4-FFF2-40B4-BE49-F238E27FC236}">
-                <a16:creationId xmlns:a16="http://schemas.microsoft.com/office/drawing/2014/main" xmlns="" id="{530B217A-3E04-47CA-A038-39D23E7DCD43}"/>
+                <a16:creationId xmlns="" xmlns:a16="http://schemas.microsoft.com/office/drawing/2014/main" id="{530B217A-3E04-47CA-A038-39D23E7DCD43}"/>
               </a:ext>
             </a:extLst>
           </p:cNvPr>
@@ -4654,7 +4624,7 @@
             <p:cNvPr id="14" name="Picture 2" descr="Top Django websites">
               <a:extLst>
                 <a:ext uri="{FF2B5EF4-FFF2-40B4-BE49-F238E27FC236}">
-                  <a16:creationId xmlns:a16="http://schemas.microsoft.com/office/drawing/2014/main" xmlns="" id="{DD15BBE9-892C-49BC-9E98-931029771F5D}"/>
+                  <a16:creationId xmlns="" xmlns:a16="http://schemas.microsoft.com/office/drawing/2014/main" id="{DD15BBE9-892C-49BC-9E98-931029771F5D}"/>
                 </a:ext>
               </a:extLst>
             </p:cNvPr>
@@ -4701,7 +4671,7 @@
             <p:cNvPr id="22" name="Picture 21">
               <a:extLst>
                 <a:ext uri="{FF2B5EF4-FFF2-40B4-BE49-F238E27FC236}">
-                  <a16:creationId xmlns:a16="http://schemas.microsoft.com/office/drawing/2014/main" xmlns="" id="{3363B8EE-2753-467C-95C1-681D29086CA6}"/>
+                  <a16:creationId xmlns="" xmlns:a16="http://schemas.microsoft.com/office/drawing/2014/main" id="{3363B8EE-2753-467C-95C1-681D29086CA6}"/>
                 </a:ext>
               </a:extLst>
             </p:cNvPr>
@@ -4829,7 +4799,7 @@
           <p:cNvPr id="6" name="TextBox 5">
             <a:extLst>
               <a:ext uri="{FF2B5EF4-FFF2-40B4-BE49-F238E27FC236}">
-                <a16:creationId xmlns:a16="http://schemas.microsoft.com/office/drawing/2014/main" xmlns="" id="{7ED6E931-322E-47BD-8959-5356A0A7EB74}"/>
+                <a16:creationId xmlns="" xmlns:a16="http://schemas.microsoft.com/office/drawing/2014/main" id="{7ED6E931-322E-47BD-8959-5356A0A7EB74}"/>
               </a:ext>
             </a:extLst>
           </p:cNvPr>
@@ -5539,7 +5509,7 @@
           <p:cNvPr id="5" name="Rectangle 4">
             <a:extLst>
               <a:ext uri="{FF2B5EF4-FFF2-40B4-BE49-F238E27FC236}">
-                <a16:creationId xmlns:a16="http://schemas.microsoft.com/office/drawing/2014/main" xmlns="" id="{082ED487-BF88-4874-BAD3-A81CBE88F667}"/>
+                <a16:creationId xmlns="" xmlns:a16="http://schemas.microsoft.com/office/drawing/2014/main" id="{082ED487-BF88-4874-BAD3-A81CBE88F667}"/>
               </a:ext>
             </a:extLst>
           </p:cNvPr>
@@ -5612,7 +5582,7 @@
           <p:cNvPr id="6" name="Picture 2">
             <a:extLst>
               <a:ext uri="{FF2B5EF4-FFF2-40B4-BE49-F238E27FC236}">
-                <a16:creationId xmlns:a16="http://schemas.microsoft.com/office/drawing/2014/main" xmlns="" id="{2DEF58C1-210E-4A47-AE2B-ABEEFFFC256D}"/>
+                <a16:creationId xmlns="" xmlns:a16="http://schemas.microsoft.com/office/drawing/2014/main" id="{2DEF58C1-210E-4A47-AE2B-ABEEFFFC256D}"/>
               </a:ext>
             </a:extLst>
           </p:cNvPr>
@@ -6312,72 +6282,12 @@
           <a:chExt cx="0" cy="0"/>
         </a:xfrm>
       </p:grpSpPr>
-      <p:pic>
-        <p:nvPicPr>
-          <p:cNvPr id="2" name="Picture 1"/>
-          <p:cNvPicPr>
-            <a:picLocks noChangeAspect="1"/>
-          </p:cNvPicPr>
-          <p:nvPr/>
-        </p:nvPicPr>
-        <p:blipFill>
-          <a:blip r:embed="rId3">
-            <a:extLst>
-              <a:ext uri="{28A0092B-C50C-407E-A947-70E740481C1C}">
-                <a14:useLocalDpi xmlns:a14="http://schemas.microsoft.com/office/drawing/2010/main" val="0"/>
-              </a:ext>
-            </a:extLst>
-          </a:blip>
-          <a:stretch>
-            <a:fillRect/>
-          </a:stretch>
-        </p:blipFill>
-        <p:spPr>
-          <a:xfrm>
-            <a:off x="0" y="0"/>
-            <a:ext cx="12192000" cy="6858000"/>
-          </a:xfrm>
-          <a:prstGeom prst="rect">
-            <a:avLst/>
-          </a:prstGeom>
-        </p:spPr>
-      </p:pic>
-    </p:spTree>
-    <p:extLst>
-      <p:ext uri="{BB962C8B-B14F-4D97-AF65-F5344CB8AC3E}">
-        <p14:creationId xmlns:p14="http://schemas.microsoft.com/office/powerpoint/2010/main" val="3111193512"/>
-      </p:ext>
-    </p:extLst>
-  </p:cSld>
-  <p:clrMapOvr>
-    <a:masterClrMapping/>
-  </p:clrMapOvr>
-</p:sld>
-</file>
-
-<file path=ppt/slides/slide9.xml><?xml version="1.0" encoding="utf-8"?>
-<p:sld xmlns:a="http://schemas.openxmlformats.org/drawingml/2006/main" xmlns:r="http://schemas.openxmlformats.org/officeDocument/2006/relationships" xmlns:p="http://schemas.openxmlformats.org/presentationml/2006/main">
-  <p:cSld>
-    <p:spTree>
-      <p:nvGrpSpPr>
-        <p:cNvPr id="1" name=""/>
-        <p:cNvGrpSpPr/>
-        <p:nvPr/>
-      </p:nvGrpSpPr>
-      <p:grpSpPr>
-        <a:xfrm>
-          <a:off x="0" y="0"/>
-          <a:ext cx="0" cy="0"/>
-          <a:chOff x="0" y="0"/>
-          <a:chExt cx="0" cy="0"/>
-        </a:xfrm>
-      </p:grpSpPr>
       <p:sp>
         <p:nvSpPr>
           <p:cNvPr id="3" name="Subtitle 2">
             <a:extLst>
               <a:ext uri="{FF2B5EF4-FFF2-40B4-BE49-F238E27FC236}">
-                <a16:creationId xmlns:a16="http://schemas.microsoft.com/office/drawing/2014/main" xmlns="" id="{EA607798-A9A2-4725-A9D6-B459B5DE4F32}"/>
+                <a16:creationId xmlns="" xmlns:a16="http://schemas.microsoft.com/office/drawing/2014/main" id="{EA607798-A9A2-4725-A9D6-B459B5DE4F32}"/>
               </a:ext>
             </a:extLst>
           </p:cNvPr>
@@ -6403,15 +6313,7 @@
             <a:pPr algn="l"/>
             <a:r>
               <a:rPr lang="en-IN" sz="1400" dirty="0" smtClean="0"/>
-              <a:t>Now, we just </a:t>
-            </a:r>
-            <a:r>
-              <a:rPr lang="en-IN" sz="1400" dirty="0" smtClean="0"/>
-              <a:t>need </a:t>
-            </a:r>
-            <a:r>
-              <a:rPr lang="en-IN" sz="1400" dirty="0" smtClean="0"/>
-              <a:t>to connect our Face recognition model with Django (Python Web Framework) which will make connection of Backend and Frontend easy to maintain &amp; use with a more secure database.</a:t>
+              <a:t>Now, we just need to connect our Face recognition model with Django (Python Web Framework) which will make connection of Backend and Frontend easy to maintain &amp; use with a more secure database.</a:t>
             </a:r>
           </a:p>
           <a:p>
@@ -6499,7 +6401,7 @@
           <p:cNvPr id="19" name="Table 7">
             <a:extLst>
               <a:ext uri="{FF2B5EF4-FFF2-40B4-BE49-F238E27FC236}">
-                <a16:creationId xmlns:a16="http://schemas.microsoft.com/office/drawing/2014/main" xmlns="" id="{73BDCA80-BA5C-4E18-932F-BB5382DF77E0}"/>
+                <a16:creationId xmlns="" xmlns:a16="http://schemas.microsoft.com/office/drawing/2014/main" id="{73BDCA80-BA5C-4E18-932F-BB5382DF77E0}"/>
               </a:ext>
             </a:extLst>
           </p:cNvPr>
@@ -6528,7 +6430,7 @@
                 <a:gridCol w="1316335">
                   <a:extLst>
                     <a:ext uri="{9D8B030D-6E8A-4147-A177-3AD203B41FA5}">
-                      <a16:colId xmlns:a16="http://schemas.microsoft.com/office/drawing/2014/main" xmlns="" val="4261527503"/>
+                      <a16:colId xmlns="" xmlns:a16="http://schemas.microsoft.com/office/drawing/2014/main" val="4261527503"/>
                     </a:ext>
                   </a:extLst>
                 </a:gridCol>
@@ -6536,42 +6438,42 @@
                 <a:gridCol w="1316364">
                   <a:extLst>
                     <a:ext uri="{9D8B030D-6E8A-4147-A177-3AD203B41FA5}">
-                      <a16:colId xmlns:a16="http://schemas.microsoft.com/office/drawing/2014/main" xmlns="" val="251991753"/>
+                      <a16:colId xmlns="" xmlns:a16="http://schemas.microsoft.com/office/drawing/2014/main" val="251991753"/>
                     </a:ext>
                   </a:extLst>
                 </a:gridCol>
                 <a:gridCol w="1316364">
                   <a:extLst>
                     <a:ext uri="{9D8B030D-6E8A-4147-A177-3AD203B41FA5}">
-                      <a16:colId xmlns:a16="http://schemas.microsoft.com/office/drawing/2014/main" xmlns="" val="4094588713"/>
+                      <a16:colId xmlns="" xmlns:a16="http://schemas.microsoft.com/office/drawing/2014/main" val="4094588713"/>
                     </a:ext>
                   </a:extLst>
                 </a:gridCol>
                 <a:gridCol w="1316364">
                   <a:extLst>
                     <a:ext uri="{9D8B030D-6E8A-4147-A177-3AD203B41FA5}">
-                      <a16:colId xmlns:a16="http://schemas.microsoft.com/office/drawing/2014/main" xmlns="" val="2463778626"/>
+                      <a16:colId xmlns="" xmlns:a16="http://schemas.microsoft.com/office/drawing/2014/main" val="2463778626"/>
                     </a:ext>
                   </a:extLst>
                 </a:gridCol>
                 <a:gridCol w="1316364">
                   <a:extLst>
                     <a:ext uri="{9D8B030D-6E8A-4147-A177-3AD203B41FA5}">
-                      <a16:colId xmlns:a16="http://schemas.microsoft.com/office/drawing/2014/main" xmlns="" val="3413055314"/>
+                      <a16:colId xmlns="" xmlns:a16="http://schemas.microsoft.com/office/drawing/2014/main" val="3413055314"/>
                     </a:ext>
                   </a:extLst>
                 </a:gridCol>
                 <a:gridCol w="1316364">
                   <a:extLst>
                     <a:ext uri="{9D8B030D-6E8A-4147-A177-3AD203B41FA5}">
-                      <a16:colId xmlns:a16="http://schemas.microsoft.com/office/drawing/2014/main" xmlns="" val="907997683"/>
+                      <a16:colId xmlns="" xmlns:a16="http://schemas.microsoft.com/office/drawing/2014/main" val="907997683"/>
                     </a:ext>
                   </a:extLst>
                 </a:gridCol>
                 <a:gridCol w="1316364">
                   <a:extLst>
                     <a:ext uri="{9D8B030D-6E8A-4147-A177-3AD203B41FA5}">
-                      <a16:colId xmlns:a16="http://schemas.microsoft.com/office/drawing/2014/main" xmlns="" val="507870828"/>
+                      <a16:colId xmlns="" xmlns:a16="http://schemas.microsoft.com/office/drawing/2014/main" val="507870828"/>
                     </a:ext>
                   </a:extLst>
                 </a:gridCol>
@@ -6694,7 +6596,7 @@
                 </a:tc>
                 <a:extLst>
                   <a:ext uri="{0D108BD9-81ED-4DB2-BD59-A6C34878D82A}">
-                    <a16:rowId xmlns:a16="http://schemas.microsoft.com/office/drawing/2014/main" xmlns="" val="3787918351"/>
+                    <a16:rowId xmlns="" xmlns:a16="http://schemas.microsoft.com/office/drawing/2014/main" val="3787918351"/>
                   </a:ext>
                 </a:extLst>
               </a:tr>
@@ -6808,7 +6710,7 @@
                 </a:tc>
                 <a:extLst>
                   <a:ext uri="{0D108BD9-81ED-4DB2-BD59-A6C34878D82A}">
-                    <a16:rowId xmlns:a16="http://schemas.microsoft.com/office/drawing/2014/main" xmlns="" val="172487012"/>
+                    <a16:rowId xmlns="" xmlns:a16="http://schemas.microsoft.com/office/drawing/2014/main" val="172487012"/>
                   </a:ext>
                 </a:extLst>
               </a:tr>
@@ -6935,7 +6837,7 @@
                 </a:tc>
                 <a:extLst>
                   <a:ext uri="{0D108BD9-81ED-4DB2-BD59-A6C34878D82A}">
-                    <a16:rowId xmlns:a16="http://schemas.microsoft.com/office/drawing/2014/main" xmlns="" val="946369147"/>
+                    <a16:rowId xmlns="" xmlns:a16="http://schemas.microsoft.com/office/drawing/2014/main" val="946369147"/>
                   </a:ext>
                 </a:extLst>
               </a:tr>
@@ -7054,7 +6956,7 @@
                 </a:tc>
                 <a:extLst>
                   <a:ext uri="{0D108BD9-81ED-4DB2-BD59-A6C34878D82A}">
-                    <a16:rowId xmlns:a16="http://schemas.microsoft.com/office/drawing/2014/main" xmlns="" val="3330047298"/>
+                    <a16:rowId xmlns="" xmlns:a16="http://schemas.microsoft.com/office/drawing/2014/main" val="3330047298"/>
                   </a:ext>
                 </a:extLst>
               </a:tr>
@@ -7173,7 +7075,7 @@
                 </a:tc>
                 <a:extLst>
                   <a:ext uri="{0D108BD9-81ED-4DB2-BD59-A6C34878D82A}">
-                    <a16:rowId xmlns:a16="http://schemas.microsoft.com/office/drawing/2014/main" xmlns="" val="3786547831"/>
+                    <a16:rowId xmlns="" xmlns:a16="http://schemas.microsoft.com/office/drawing/2014/main" val="3786547831"/>
                   </a:ext>
                 </a:extLst>
               </a:tr>
@@ -7298,7 +7200,7 @@
                 </a:tc>
                 <a:extLst>
                   <a:ext uri="{0D108BD9-81ED-4DB2-BD59-A6C34878D82A}">
-                    <a16:rowId xmlns:a16="http://schemas.microsoft.com/office/drawing/2014/main" xmlns="" val="4013885690"/>
+                    <a16:rowId xmlns="" xmlns:a16="http://schemas.microsoft.com/office/drawing/2014/main" val="4013885690"/>
                   </a:ext>
                 </a:extLst>
               </a:tr>
@@ -7402,11 +7304,7 @@
                       </a:r>
                       <a:r>
                         <a:rPr lang="en-US" baseline="0" dirty="0" smtClean="0"/>
-                        <a:t> </a:t>
-                      </a:r>
-                      <a:r>
-                        <a:rPr lang="en-US" baseline="0" dirty="0" smtClean="0"/>
-                        <a:t>am</a:t>
+                        <a:t> am</a:t>
                       </a:r>
                       <a:endParaRPr lang="en-IN" dirty="0"/>
                     </a:p>
@@ -7429,7 +7327,7 @@
                 </a:tc>
                 <a:extLst>
                   <a:ext uri="{0D108BD9-81ED-4DB2-BD59-A6C34878D82A}">
-                    <a16:rowId xmlns:a16="http://schemas.microsoft.com/office/drawing/2014/main" xmlns="" val="1479204232"/>
+                    <a16:rowId xmlns="" xmlns:a16="http://schemas.microsoft.com/office/drawing/2014/main" val="1479204232"/>
                   </a:ext>
                 </a:extLst>
               </a:tr>
@@ -7441,6 +7339,96 @@
     <p:extLst>
       <p:ext uri="{BB962C8B-B14F-4D97-AF65-F5344CB8AC3E}">
         <p14:creationId xmlns:p14="http://schemas.microsoft.com/office/powerpoint/2010/main" val="1540160573"/>
+      </p:ext>
+    </p:extLst>
+  </p:cSld>
+  <p:clrMapOvr>
+    <a:masterClrMapping/>
+  </p:clrMapOvr>
+</p:sld>
+</file>
+
+<file path=ppt/slides/slide9.xml><?xml version="1.0" encoding="utf-8"?>
+<p:sld xmlns:a="http://schemas.openxmlformats.org/drawingml/2006/main" xmlns:r="http://schemas.openxmlformats.org/officeDocument/2006/relationships" xmlns:p="http://schemas.openxmlformats.org/presentationml/2006/main">
+  <p:cSld>
+    <p:spTree>
+      <p:nvGrpSpPr>
+        <p:cNvPr id="1" name=""/>
+        <p:cNvGrpSpPr/>
+        <p:nvPr/>
+      </p:nvGrpSpPr>
+      <p:grpSpPr>
+        <a:xfrm>
+          <a:off x="0" y="0"/>
+          <a:ext cx="0" cy="0"/>
+          <a:chOff x="0" y="0"/>
+          <a:chExt cx="0" cy="0"/>
+        </a:xfrm>
+      </p:grpSpPr>
+      <p:pic>
+        <p:nvPicPr>
+          <p:cNvPr id="2" name="Picture 1"/>
+          <p:cNvPicPr>
+            <a:picLocks noChangeAspect="1"/>
+          </p:cNvPicPr>
+          <p:nvPr/>
+        </p:nvPicPr>
+        <p:blipFill>
+          <a:blip r:embed="rId2">
+            <a:extLst>
+              <a:ext uri="{28A0092B-C50C-407E-A947-70E740481C1C}">
+                <a14:useLocalDpi xmlns:a14="http://schemas.microsoft.com/office/drawing/2010/main" val="0"/>
+              </a:ext>
+            </a:extLst>
+          </a:blip>
+          <a:stretch>
+            <a:fillRect/>
+          </a:stretch>
+        </p:blipFill>
+        <p:spPr>
+          <a:xfrm>
+            <a:off x="754671" y="2326884"/>
+            <a:ext cx="10058400" cy="3273130"/>
+          </a:xfrm>
+          <a:prstGeom prst="rect">
+            <a:avLst/>
+          </a:prstGeom>
+        </p:spPr>
+      </p:pic>
+      <p:sp>
+        <p:nvSpPr>
+          <p:cNvPr id="3" name="TextBox 2"/>
+          <p:cNvSpPr txBox="1"/>
+          <p:nvPr/>
+        </p:nvSpPr>
+        <p:spPr>
+          <a:xfrm>
+            <a:off x="608021" y="871268"/>
+            <a:ext cx="10118785" cy="646331"/>
+          </a:xfrm>
+          <a:prstGeom prst="rect">
+            <a:avLst/>
+          </a:prstGeom>
+          <a:noFill/>
+        </p:spPr>
+        <p:txBody>
+          <a:bodyPr wrap="square" rtlCol="0">
+            <a:spAutoFit/>
+          </a:bodyPr>
+          <a:lstStyle/>
+          <a:p>
+            <a:r>
+              <a:rPr lang="en-US" dirty="0" smtClean="0"/>
+              <a:t>The traveler then receives an email about their trip with details like station name, entry and exit time and fare. In this way the traveler will have the logs of his/her travel history.</a:t>
+            </a:r>
+            <a:endParaRPr lang="en-IN" dirty="0"/>
+          </a:p>
+        </p:txBody>
+      </p:sp>
+    </p:spTree>
+    <p:extLst>
+      <p:ext uri="{BB962C8B-B14F-4D97-AF65-F5344CB8AC3E}">
+        <p14:creationId xmlns:p14="http://schemas.microsoft.com/office/powerpoint/2010/main" val="3045682638"/>
       </p:ext>
     </p:extLst>
   </p:cSld>

--- a/Minor.pptx
+++ b/Minor.pptx
@@ -5,7 +5,7 @@
     <p:sldMasterId id="2147483648" r:id="rId1"/>
   </p:sldMasterIdLst>
   <p:notesMasterIdLst>
-    <p:notesMasterId r:id="rId15"/>
+    <p:notesMasterId r:id="rId16"/>
   </p:notesMasterIdLst>
   <p:sldIdLst>
     <p:sldId id="256" r:id="rId2"/>
@@ -17,10 +17,11 @@
     <p:sldId id="262" r:id="rId8"/>
     <p:sldId id="264" r:id="rId9"/>
     <p:sldId id="265" r:id="rId10"/>
-    <p:sldId id="263" r:id="rId11"/>
-    <p:sldId id="268" r:id="rId12"/>
-    <p:sldId id="266" r:id="rId13"/>
-    <p:sldId id="267" r:id="rId14"/>
+    <p:sldId id="266" r:id="rId11"/>
+    <p:sldId id="269" r:id="rId12"/>
+    <p:sldId id="263" r:id="rId13"/>
+    <p:sldId id="268" r:id="rId14"/>
+    <p:sldId id="267" r:id="rId15"/>
   </p:sldIdLst>
   <p:sldSz cx="12192000" cy="6858000"/>
   <p:notesSz cx="6858000" cy="9144000"/>
@@ -209,7 +210,7 @@
           <a:p>
             <a:fld id="{6584F25A-4C8F-4CBA-9E39-107347B30C62}" type="datetimeFigureOut">
               <a:rPr lang="en-IN" smtClean="0"/>
-              <a:t>18-05-2020</a:t>
+              <a:t>21-05-2020</a:t>
             </a:fld>
             <a:endParaRPr lang="en-IN"/>
           </a:p>
@@ -542,7 +543,7 @@
           <a:p>
             <a:fld id="{0BC483C2-7D7E-4F18-B9A3-FED4A3B885C4}" type="slidenum">
               <a:rPr lang="en-IN" smtClean="0"/>
-              <a:t>10</a:t>
+              <a:t>12</a:t>
             </a:fld>
             <a:endParaRPr lang="en-IN"/>
           </a:p>
@@ -692,7 +693,7 @@
           <a:p>
             <a:fld id="{0C039C16-19C8-4441-8491-6AEC6A511B4B}" type="datetimeFigureOut">
               <a:rPr lang="en-IN" smtClean="0"/>
-              <a:t>18-05-2020</a:t>
+              <a:t>21-05-2020</a:t>
             </a:fld>
             <a:endParaRPr lang="en-IN"/>
           </a:p>
@@ -862,7 +863,7 @@
           <a:p>
             <a:fld id="{0C039C16-19C8-4441-8491-6AEC6A511B4B}" type="datetimeFigureOut">
               <a:rPr lang="en-IN" smtClean="0"/>
-              <a:t>18-05-2020</a:t>
+              <a:t>21-05-2020</a:t>
             </a:fld>
             <a:endParaRPr lang="en-IN"/>
           </a:p>
@@ -1042,7 +1043,7 @@
           <a:p>
             <a:fld id="{0C039C16-19C8-4441-8491-6AEC6A511B4B}" type="datetimeFigureOut">
               <a:rPr lang="en-IN" smtClean="0"/>
-              <a:t>18-05-2020</a:t>
+              <a:t>21-05-2020</a:t>
             </a:fld>
             <a:endParaRPr lang="en-IN"/>
           </a:p>
@@ -1212,7 +1213,7 @@
           <a:p>
             <a:fld id="{0C039C16-19C8-4441-8491-6AEC6A511B4B}" type="datetimeFigureOut">
               <a:rPr lang="en-IN" smtClean="0"/>
-              <a:t>18-05-2020</a:t>
+              <a:t>21-05-2020</a:t>
             </a:fld>
             <a:endParaRPr lang="en-IN"/>
           </a:p>
@@ -1458,7 +1459,7 @@
           <a:p>
             <a:fld id="{0C039C16-19C8-4441-8491-6AEC6A511B4B}" type="datetimeFigureOut">
               <a:rPr lang="en-IN" smtClean="0"/>
-              <a:t>18-05-2020</a:t>
+              <a:t>21-05-2020</a:t>
             </a:fld>
             <a:endParaRPr lang="en-IN"/>
           </a:p>
@@ -1690,7 +1691,7 @@
           <a:p>
             <a:fld id="{0C039C16-19C8-4441-8491-6AEC6A511B4B}" type="datetimeFigureOut">
               <a:rPr lang="en-IN" smtClean="0"/>
-              <a:t>18-05-2020</a:t>
+              <a:t>21-05-2020</a:t>
             </a:fld>
             <a:endParaRPr lang="en-IN"/>
           </a:p>
@@ -2057,7 +2058,7 @@
           <a:p>
             <a:fld id="{0C039C16-19C8-4441-8491-6AEC6A511B4B}" type="datetimeFigureOut">
               <a:rPr lang="en-IN" smtClean="0"/>
-              <a:t>18-05-2020</a:t>
+              <a:t>21-05-2020</a:t>
             </a:fld>
             <a:endParaRPr lang="en-IN"/>
           </a:p>
@@ -2175,7 +2176,7 @@
           <a:p>
             <a:fld id="{0C039C16-19C8-4441-8491-6AEC6A511B4B}" type="datetimeFigureOut">
               <a:rPr lang="en-IN" smtClean="0"/>
-              <a:t>18-05-2020</a:t>
+              <a:t>21-05-2020</a:t>
             </a:fld>
             <a:endParaRPr lang="en-IN"/>
           </a:p>
@@ -2270,7 +2271,7 @@
           <a:p>
             <a:fld id="{0C039C16-19C8-4441-8491-6AEC6A511B4B}" type="datetimeFigureOut">
               <a:rPr lang="en-IN" smtClean="0"/>
-              <a:t>18-05-2020</a:t>
+              <a:t>21-05-2020</a:t>
             </a:fld>
             <a:endParaRPr lang="en-IN"/>
           </a:p>
@@ -2547,7 +2548,7 @@
           <a:p>
             <a:fld id="{0C039C16-19C8-4441-8491-6AEC6A511B4B}" type="datetimeFigureOut">
               <a:rPr lang="en-IN" smtClean="0"/>
-              <a:t>18-05-2020</a:t>
+              <a:t>21-05-2020</a:t>
             </a:fld>
             <a:endParaRPr lang="en-IN"/>
           </a:p>
@@ -2800,7 +2801,7 @@
           <a:p>
             <a:fld id="{0C039C16-19C8-4441-8491-6AEC6A511B4B}" type="datetimeFigureOut">
               <a:rPr lang="en-IN" smtClean="0"/>
-              <a:t>18-05-2020</a:t>
+              <a:t>21-05-2020</a:t>
             </a:fld>
             <a:endParaRPr lang="en-IN"/>
           </a:p>
@@ -3013,7 +3014,7 @@
           <a:p>
             <a:fld id="{0C039C16-19C8-4441-8491-6AEC6A511B4B}" type="datetimeFigureOut">
               <a:rPr lang="en-IN" smtClean="0"/>
-              <a:t>18-05-2020</a:t>
+              <a:t>21-05-2020</a:t>
             </a:fld>
             <a:endParaRPr lang="en-IN"/>
           </a:p>
@@ -3423,7 +3424,7 @@
           <p:cNvPr id="7" name="Content Placeholder 2">
             <a:extLst>
               <a:ext uri="{FF2B5EF4-FFF2-40B4-BE49-F238E27FC236}">
-                <a16:creationId xmlns="" xmlns:a16="http://schemas.microsoft.com/office/drawing/2014/main" id="{8368BE43-2201-4A5B-97DD-06FF9DBB5F24}"/>
+                <a16:creationId xmlns:a16="http://schemas.microsoft.com/office/drawing/2014/main" xmlns="" id="{8368BE43-2201-4A5B-97DD-06FF9DBB5F24}"/>
               </a:ext>
             </a:extLst>
           </p:cNvPr>
@@ -3623,7 +3624,7 @@
           <p:cNvPr id="2" name="Rectangle 1">
             <a:extLst>
               <a:ext uri="{FF2B5EF4-FFF2-40B4-BE49-F238E27FC236}">
-                <a16:creationId xmlns="" xmlns:a16="http://schemas.microsoft.com/office/drawing/2014/main" id="{70AD63ED-062F-451A-A9BD-C79988F25481}"/>
+                <a16:creationId xmlns:a16="http://schemas.microsoft.com/office/drawing/2014/main" xmlns="" id="{70AD63ED-062F-451A-A9BD-C79988F25481}"/>
               </a:ext>
             </a:extLst>
           </p:cNvPr>
@@ -3860,132 +3861,12 @@
           <a:chExt cx="0" cy="0"/>
         </a:xfrm>
       </p:grpSpPr>
-      <p:pic>
-        <p:nvPicPr>
-          <p:cNvPr id="2" name="Picture 1"/>
-          <p:cNvPicPr>
-            <a:picLocks noChangeAspect="1"/>
-          </p:cNvPicPr>
-          <p:nvPr/>
-        </p:nvPicPr>
-        <p:blipFill>
-          <a:blip r:embed="rId3">
-            <a:extLst>
-              <a:ext uri="{28A0092B-C50C-407E-A947-70E740481C1C}">
-                <a14:useLocalDpi xmlns:a14="http://schemas.microsoft.com/office/drawing/2010/main" val="0"/>
-              </a:ext>
-            </a:extLst>
-          </a:blip>
-          <a:stretch>
-            <a:fillRect/>
-          </a:stretch>
-        </p:blipFill>
-        <p:spPr>
-          <a:xfrm>
-            <a:off x="0" y="0"/>
-            <a:ext cx="12192000" cy="6858000"/>
-          </a:xfrm>
-          <a:prstGeom prst="rect">
-            <a:avLst/>
-          </a:prstGeom>
-        </p:spPr>
-      </p:pic>
-    </p:spTree>
-    <p:extLst>
-      <p:ext uri="{BB962C8B-B14F-4D97-AF65-F5344CB8AC3E}">
-        <p14:creationId xmlns:p14="http://schemas.microsoft.com/office/powerpoint/2010/main" val="3111193512"/>
-      </p:ext>
-    </p:extLst>
-  </p:cSld>
-  <p:clrMapOvr>
-    <a:masterClrMapping/>
-  </p:clrMapOvr>
-</p:sld>
-</file>
-
-<file path=ppt/slides/slide11.xml><?xml version="1.0" encoding="utf-8"?>
-<p:sld xmlns:a="http://schemas.openxmlformats.org/drawingml/2006/main" xmlns:r="http://schemas.openxmlformats.org/officeDocument/2006/relationships" xmlns:p="http://schemas.openxmlformats.org/presentationml/2006/main">
-  <p:cSld>
-    <p:spTree>
-      <p:nvGrpSpPr>
-        <p:cNvPr id="1" name=""/>
-        <p:cNvGrpSpPr/>
-        <p:nvPr/>
-      </p:nvGrpSpPr>
-      <p:grpSpPr>
-        <a:xfrm>
-          <a:off x="0" y="0"/>
-          <a:ext cx="0" cy="0"/>
-          <a:chOff x="0" y="0"/>
-          <a:chExt cx="0" cy="0"/>
-        </a:xfrm>
-      </p:grpSpPr>
-      <p:pic>
-        <p:nvPicPr>
-          <p:cNvPr id="2" name="Picture 1"/>
-          <p:cNvPicPr>
-            <a:picLocks noChangeAspect="1"/>
-          </p:cNvPicPr>
-          <p:nvPr/>
-        </p:nvPicPr>
-        <p:blipFill>
-          <a:blip r:embed="rId2">
-            <a:extLst>
-              <a:ext uri="{28A0092B-C50C-407E-A947-70E740481C1C}">
-                <a14:useLocalDpi xmlns:a14="http://schemas.microsoft.com/office/drawing/2010/main" val="0"/>
-              </a:ext>
-            </a:extLst>
-          </a:blip>
-          <a:stretch>
-            <a:fillRect/>
-          </a:stretch>
-        </p:blipFill>
-        <p:spPr>
-          <a:xfrm>
-            <a:off x="0" y="0"/>
-            <a:ext cx="12192000" cy="6858000"/>
-          </a:xfrm>
-          <a:prstGeom prst="rect">
-            <a:avLst/>
-          </a:prstGeom>
-        </p:spPr>
-      </p:pic>
-    </p:spTree>
-    <p:extLst>
-      <p:ext uri="{BB962C8B-B14F-4D97-AF65-F5344CB8AC3E}">
-        <p14:creationId xmlns:p14="http://schemas.microsoft.com/office/powerpoint/2010/main" val="1751772431"/>
-      </p:ext>
-    </p:extLst>
-  </p:cSld>
-  <p:clrMapOvr>
-    <a:masterClrMapping/>
-  </p:clrMapOvr>
-</p:sld>
-</file>
-
-<file path=ppt/slides/slide12.xml><?xml version="1.0" encoding="utf-8"?>
-<p:sld xmlns:a="http://schemas.openxmlformats.org/drawingml/2006/main" xmlns:r="http://schemas.openxmlformats.org/officeDocument/2006/relationships" xmlns:p="http://schemas.openxmlformats.org/presentationml/2006/main">
-  <p:cSld>
-    <p:spTree>
-      <p:nvGrpSpPr>
-        <p:cNvPr id="1" name=""/>
-        <p:cNvGrpSpPr/>
-        <p:nvPr/>
-      </p:nvGrpSpPr>
-      <p:grpSpPr>
-        <a:xfrm>
-          <a:off x="0" y="0"/>
-          <a:ext cx="0" cy="0"/>
-          <a:chOff x="0" y="0"/>
-          <a:chExt cx="0" cy="0"/>
-        </a:xfrm>
-      </p:grpSpPr>
       <p:sp>
         <p:nvSpPr>
           <p:cNvPr id="7" name="Content Placeholder 2">
             <a:extLst>
               <a:ext uri="{FF2B5EF4-FFF2-40B4-BE49-F238E27FC236}">
-                <a16:creationId xmlns="" xmlns:a16="http://schemas.microsoft.com/office/drawing/2014/main" id="{CA26F12D-815B-45CD-9978-77690CB8128B}"/>
+                <a16:creationId xmlns:a16="http://schemas.microsoft.com/office/drawing/2014/main" xmlns="" id="{CA26F12D-815B-45CD-9978-77690CB8128B}"/>
               </a:ext>
             </a:extLst>
           </p:cNvPr>
@@ -4220,7 +4101,7 @@
           <p:cNvPr id="8" name="TextBox 7">
             <a:extLst>
               <a:ext uri="{FF2B5EF4-FFF2-40B4-BE49-F238E27FC236}">
-                <a16:creationId xmlns="" xmlns:a16="http://schemas.microsoft.com/office/drawing/2014/main" id="{5E9CDC54-A250-49E0-B4C2-0A04DDEB161C}"/>
+                <a16:creationId xmlns:a16="http://schemas.microsoft.com/office/drawing/2014/main" xmlns="" id="{5E9CDC54-A250-49E0-B4C2-0A04DDEB161C}"/>
               </a:ext>
             </a:extLst>
           </p:cNvPr>
@@ -4266,7 +4147,7 @@
           <p:cNvPr id="10" name="Content Placeholder 2">
             <a:extLst>
               <a:ext uri="{FF2B5EF4-FFF2-40B4-BE49-F238E27FC236}">
-                <a16:creationId xmlns="" xmlns:a16="http://schemas.microsoft.com/office/drawing/2014/main" id="{C8F1264B-EB10-433E-BAC6-6DD5225AA739}"/>
+                <a16:creationId xmlns:a16="http://schemas.microsoft.com/office/drawing/2014/main" xmlns="" id="{C8F1264B-EB10-433E-BAC6-6DD5225AA739}"/>
               </a:ext>
             </a:extLst>
           </p:cNvPr>
@@ -4353,7 +4234,7 @@
           <p:cNvPr id="13" name="Straight Connector 12">
             <a:extLst>
               <a:ext uri="{FF2B5EF4-FFF2-40B4-BE49-F238E27FC236}">
-                <a16:creationId xmlns="" xmlns:a16="http://schemas.microsoft.com/office/drawing/2014/main" id="{E142C477-8E62-4286-983B-D9706A354E17}"/>
+                <a16:creationId xmlns:a16="http://schemas.microsoft.com/office/drawing/2014/main" xmlns="" id="{E142C477-8E62-4286-983B-D9706A354E17}"/>
               </a:ext>
             </a:extLst>
           </p:cNvPr>
@@ -4396,7 +4277,7 @@
           <p:cNvPr id="20" name="Group 19">
             <a:extLst>
               <a:ext uri="{FF2B5EF4-FFF2-40B4-BE49-F238E27FC236}">
-                <a16:creationId xmlns="" xmlns:a16="http://schemas.microsoft.com/office/drawing/2014/main" id="{93BCB423-C962-4E94-9F53-EF6020E54F8A}"/>
+                <a16:creationId xmlns:a16="http://schemas.microsoft.com/office/drawing/2014/main" xmlns="" id="{93BCB423-C962-4E94-9F53-EF6020E54F8A}"/>
               </a:ext>
             </a:extLst>
           </p:cNvPr>
@@ -4416,7 +4297,7 @@
             <p:cNvPr id="7170" name="Picture 2" descr="Image result for opencv logo">
               <a:extLst>
                 <a:ext uri="{FF2B5EF4-FFF2-40B4-BE49-F238E27FC236}">
-                  <a16:creationId xmlns="" xmlns:a16="http://schemas.microsoft.com/office/drawing/2014/main" id="{FD3255B7-0AF7-452E-BBA0-0D562E2BE48F}"/>
+                  <a16:creationId xmlns:a16="http://schemas.microsoft.com/office/drawing/2014/main" xmlns="" id="{FD3255B7-0AF7-452E-BBA0-0D562E2BE48F}"/>
                 </a:ext>
               </a:extLst>
             </p:cNvPr>
@@ -4463,7 +4344,7 @@
             <p:cNvPr id="7172" name="Picture 4" descr="Image result for python logo">
               <a:extLst>
                 <a:ext uri="{FF2B5EF4-FFF2-40B4-BE49-F238E27FC236}">
-                  <a16:creationId xmlns="" xmlns:a16="http://schemas.microsoft.com/office/drawing/2014/main" id="{81388D05-1C95-4449-B2B3-79969A5D5573}"/>
+                  <a16:creationId xmlns:a16="http://schemas.microsoft.com/office/drawing/2014/main" xmlns="" id="{81388D05-1C95-4449-B2B3-79969A5D5573}"/>
                 </a:ext>
               </a:extLst>
             </p:cNvPr>
@@ -4510,7 +4391,7 @@
             <p:cNvPr id="19" name="Picture 18">
               <a:extLst>
                 <a:ext uri="{FF2B5EF4-FFF2-40B4-BE49-F238E27FC236}">
-                  <a16:creationId xmlns="" xmlns:a16="http://schemas.microsoft.com/office/drawing/2014/main" id="{94BBA87C-1212-47A6-857C-23806DD24289}"/>
+                  <a16:creationId xmlns:a16="http://schemas.microsoft.com/office/drawing/2014/main" xmlns="" id="{94BBA87C-1212-47A6-857C-23806DD24289}"/>
                 </a:ext>
               </a:extLst>
             </p:cNvPr>
@@ -4546,7 +4427,7 @@
             <p:cNvPr id="7174" name="Picture 6" descr="Related image">
               <a:extLst>
                 <a:ext uri="{FF2B5EF4-FFF2-40B4-BE49-F238E27FC236}">
-                  <a16:creationId xmlns="" xmlns:a16="http://schemas.microsoft.com/office/drawing/2014/main" id="{D29803B2-1DCC-4F13-ADB3-0303275DC69E}"/>
+                  <a16:creationId xmlns:a16="http://schemas.microsoft.com/office/drawing/2014/main" xmlns="" id="{D29803B2-1DCC-4F13-ADB3-0303275DC69E}"/>
                 </a:ext>
               </a:extLst>
             </p:cNvPr>
@@ -4604,7 +4485,7 @@
           <p:cNvPr id="23" name="Group 22">
             <a:extLst>
               <a:ext uri="{FF2B5EF4-FFF2-40B4-BE49-F238E27FC236}">
-                <a16:creationId xmlns="" xmlns:a16="http://schemas.microsoft.com/office/drawing/2014/main" id="{530B217A-3E04-47CA-A038-39D23E7DCD43}"/>
+                <a16:creationId xmlns:a16="http://schemas.microsoft.com/office/drawing/2014/main" xmlns="" id="{530B217A-3E04-47CA-A038-39D23E7DCD43}"/>
               </a:ext>
             </a:extLst>
           </p:cNvPr>
@@ -4624,7 +4505,7 @@
             <p:cNvPr id="14" name="Picture 2" descr="Top Django websites">
               <a:extLst>
                 <a:ext uri="{FF2B5EF4-FFF2-40B4-BE49-F238E27FC236}">
-                  <a16:creationId xmlns="" xmlns:a16="http://schemas.microsoft.com/office/drawing/2014/main" id="{DD15BBE9-892C-49BC-9E98-931029771F5D}"/>
+                  <a16:creationId xmlns:a16="http://schemas.microsoft.com/office/drawing/2014/main" xmlns="" id="{DD15BBE9-892C-49BC-9E98-931029771F5D}"/>
                 </a:ext>
               </a:extLst>
             </p:cNvPr>
@@ -4671,7 +4552,7 @@
             <p:cNvPr id="22" name="Picture 21">
               <a:extLst>
                 <a:ext uri="{FF2B5EF4-FFF2-40B4-BE49-F238E27FC236}">
-                  <a16:creationId xmlns="" xmlns:a16="http://schemas.microsoft.com/office/drawing/2014/main" id="{3363B8EE-2753-467C-95C1-681D29086CA6}"/>
+                  <a16:creationId xmlns:a16="http://schemas.microsoft.com/office/drawing/2014/main" xmlns="" id="{3363B8EE-2753-467C-95C1-681D29086CA6}"/>
                 </a:ext>
               </a:extLst>
             </p:cNvPr>
@@ -4716,7 +4597,187 @@
 </p:sld>
 </file>
 
+<file path=ppt/slides/slide11.xml><?xml version="1.0" encoding="utf-8"?>
+<p:sld xmlns:a="http://schemas.openxmlformats.org/drawingml/2006/main" xmlns:r="http://schemas.openxmlformats.org/officeDocument/2006/relationships" xmlns:p="http://schemas.openxmlformats.org/presentationml/2006/main">
+  <p:cSld>
+    <p:spTree>
+      <p:nvGrpSpPr>
+        <p:cNvPr id="1" name=""/>
+        <p:cNvGrpSpPr/>
+        <p:nvPr/>
+      </p:nvGrpSpPr>
+      <p:grpSpPr>
+        <a:xfrm>
+          <a:off x="0" y="0"/>
+          <a:ext cx="0" cy="0"/>
+          <a:chOff x="0" y="0"/>
+          <a:chExt cx="0" cy="0"/>
+        </a:xfrm>
+      </p:grpSpPr>
+      <p:pic>
+        <p:nvPicPr>
+          <p:cNvPr id="3" name="Picture 2"/>
+          <p:cNvPicPr>
+            <a:picLocks noChangeAspect="1"/>
+          </p:cNvPicPr>
+          <p:nvPr/>
+        </p:nvPicPr>
+        <p:blipFill>
+          <a:blip r:embed="rId2">
+            <a:extLst>
+              <a:ext uri="{28A0092B-C50C-407E-A947-70E740481C1C}">
+                <a14:useLocalDpi xmlns:a14="http://schemas.microsoft.com/office/drawing/2010/main" val="0"/>
+              </a:ext>
+            </a:extLst>
+          </a:blip>
+          <a:stretch>
+            <a:fillRect/>
+          </a:stretch>
+        </p:blipFill>
+        <p:spPr>
+          <a:xfrm>
+            <a:off x="0" y="0"/>
+            <a:ext cx="12192000" cy="6858000"/>
+          </a:xfrm>
+          <a:prstGeom prst="rect">
+            <a:avLst/>
+          </a:prstGeom>
+        </p:spPr>
+      </p:pic>
+    </p:spTree>
+    <p:extLst>
+      <p:ext uri="{BB962C8B-B14F-4D97-AF65-F5344CB8AC3E}">
+        <p14:creationId xmlns:p14="http://schemas.microsoft.com/office/powerpoint/2010/main" val="2836696064"/>
+      </p:ext>
+    </p:extLst>
+  </p:cSld>
+  <p:clrMapOvr>
+    <a:masterClrMapping/>
+  </p:clrMapOvr>
+</p:sld>
+</file>
+
+<file path=ppt/slides/slide12.xml><?xml version="1.0" encoding="utf-8"?>
+<p:sld xmlns:a="http://schemas.openxmlformats.org/drawingml/2006/main" xmlns:r="http://schemas.openxmlformats.org/officeDocument/2006/relationships" xmlns:p="http://schemas.openxmlformats.org/presentationml/2006/main">
+  <p:cSld>
+    <p:spTree>
+      <p:nvGrpSpPr>
+        <p:cNvPr id="1" name=""/>
+        <p:cNvGrpSpPr/>
+        <p:nvPr/>
+      </p:nvGrpSpPr>
+      <p:grpSpPr>
+        <a:xfrm>
+          <a:off x="0" y="0"/>
+          <a:ext cx="0" cy="0"/>
+          <a:chOff x="0" y="0"/>
+          <a:chExt cx="0" cy="0"/>
+        </a:xfrm>
+      </p:grpSpPr>
+      <p:pic>
+        <p:nvPicPr>
+          <p:cNvPr id="2" name="Picture 1"/>
+          <p:cNvPicPr>
+            <a:picLocks noChangeAspect="1"/>
+          </p:cNvPicPr>
+          <p:nvPr/>
+        </p:nvPicPr>
+        <p:blipFill>
+          <a:blip r:embed="rId3">
+            <a:extLst>
+              <a:ext uri="{28A0092B-C50C-407E-A947-70E740481C1C}">
+                <a14:useLocalDpi xmlns:a14="http://schemas.microsoft.com/office/drawing/2010/main" val="0"/>
+              </a:ext>
+            </a:extLst>
+          </a:blip>
+          <a:stretch>
+            <a:fillRect/>
+          </a:stretch>
+        </p:blipFill>
+        <p:spPr>
+          <a:xfrm>
+            <a:off x="0" y="0"/>
+            <a:ext cx="12192000" cy="6858000"/>
+          </a:xfrm>
+          <a:prstGeom prst="rect">
+            <a:avLst/>
+          </a:prstGeom>
+        </p:spPr>
+      </p:pic>
+    </p:spTree>
+    <p:extLst>
+      <p:ext uri="{BB962C8B-B14F-4D97-AF65-F5344CB8AC3E}">
+        <p14:creationId xmlns:p14="http://schemas.microsoft.com/office/powerpoint/2010/main" val="3111193512"/>
+      </p:ext>
+    </p:extLst>
+  </p:cSld>
+  <p:clrMapOvr>
+    <a:masterClrMapping/>
+  </p:clrMapOvr>
+</p:sld>
+</file>
+
 <file path=ppt/slides/slide13.xml><?xml version="1.0" encoding="utf-8"?>
+<p:sld xmlns:a="http://schemas.openxmlformats.org/drawingml/2006/main" xmlns:r="http://schemas.openxmlformats.org/officeDocument/2006/relationships" xmlns:p="http://schemas.openxmlformats.org/presentationml/2006/main">
+  <p:cSld>
+    <p:spTree>
+      <p:nvGrpSpPr>
+        <p:cNvPr id="1" name=""/>
+        <p:cNvGrpSpPr/>
+        <p:nvPr/>
+      </p:nvGrpSpPr>
+      <p:grpSpPr>
+        <a:xfrm>
+          <a:off x="0" y="0"/>
+          <a:ext cx="0" cy="0"/>
+          <a:chOff x="0" y="0"/>
+          <a:chExt cx="0" cy="0"/>
+        </a:xfrm>
+      </p:grpSpPr>
+      <p:pic>
+        <p:nvPicPr>
+          <p:cNvPr id="2" name="Picture 1"/>
+          <p:cNvPicPr>
+            <a:picLocks noChangeAspect="1"/>
+          </p:cNvPicPr>
+          <p:nvPr/>
+        </p:nvPicPr>
+        <p:blipFill>
+          <a:blip r:embed="rId2">
+            <a:extLst>
+              <a:ext uri="{28A0092B-C50C-407E-A947-70E740481C1C}">
+                <a14:useLocalDpi xmlns:a14="http://schemas.microsoft.com/office/drawing/2010/main" val="0"/>
+              </a:ext>
+            </a:extLst>
+          </a:blip>
+          <a:stretch>
+            <a:fillRect/>
+          </a:stretch>
+        </p:blipFill>
+        <p:spPr>
+          <a:xfrm>
+            <a:off x="0" y="0"/>
+            <a:ext cx="12192000" cy="6858000"/>
+          </a:xfrm>
+          <a:prstGeom prst="rect">
+            <a:avLst/>
+          </a:prstGeom>
+        </p:spPr>
+      </p:pic>
+    </p:spTree>
+    <p:extLst>
+      <p:ext uri="{BB962C8B-B14F-4D97-AF65-F5344CB8AC3E}">
+        <p14:creationId xmlns:p14="http://schemas.microsoft.com/office/powerpoint/2010/main" val="1751772431"/>
+      </p:ext>
+    </p:extLst>
+  </p:cSld>
+  <p:clrMapOvr>
+    <a:masterClrMapping/>
+  </p:clrMapOvr>
+</p:sld>
+</file>
+
+<file path=ppt/slides/slide14.xml><?xml version="1.0" encoding="utf-8"?>
 <p:sld xmlns:a="http://schemas.openxmlformats.org/drawingml/2006/main" xmlns:r="http://schemas.openxmlformats.org/officeDocument/2006/relationships" xmlns:p="http://schemas.openxmlformats.org/presentationml/2006/main">
   <p:cSld>
     <p:spTree>
@@ -4799,7 +4860,7 @@
           <p:cNvPr id="6" name="TextBox 5">
             <a:extLst>
               <a:ext uri="{FF2B5EF4-FFF2-40B4-BE49-F238E27FC236}">
-                <a16:creationId xmlns="" xmlns:a16="http://schemas.microsoft.com/office/drawing/2014/main" id="{7ED6E931-322E-47BD-8959-5356A0A7EB74}"/>
+                <a16:creationId xmlns:a16="http://schemas.microsoft.com/office/drawing/2014/main" xmlns="" id="{7ED6E931-322E-47BD-8959-5356A0A7EB74}"/>
               </a:ext>
             </a:extLst>
           </p:cNvPr>
@@ -5509,7 +5570,7 @@
           <p:cNvPr id="5" name="Rectangle 4">
             <a:extLst>
               <a:ext uri="{FF2B5EF4-FFF2-40B4-BE49-F238E27FC236}">
-                <a16:creationId xmlns="" xmlns:a16="http://schemas.microsoft.com/office/drawing/2014/main" id="{082ED487-BF88-4874-BAD3-A81CBE88F667}"/>
+                <a16:creationId xmlns:a16="http://schemas.microsoft.com/office/drawing/2014/main" xmlns="" id="{082ED487-BF88-4874-BAD3-A81CBE88F667}"/>
               </a:ext>
             </a:extLst>
           </p:cNvPr>
@@ -5582,7 +5643,7 @@
           <p:cNvPr id="6" name="Picture 2">
             <a:extLst>
               <a:ext uri="{FF2B5EF4-FFF2-40B4-BE49-F238E27FC236}">
-                <a16:creationId xmlns="" xmlns:a16="http://schemas.microsoft.com/office/drawing/2014/main" id="{2DEF58C1-210E-4A47-AE2B-ABEEFFFC256D}"/>
+                <a16:creationId xmlns:a16="http://schemas.microsoft.com/office/drawing/2014/main" xmlns="" id="{2DEF58C1-210E-4A47-AE2B-ABEEFFFC256D}"/>
               </a:ext>
             </a:extLst>
           </p:cNvPr>
@@ -6287,7 +6348,7 @@
           <p:cNvPr id="3" name="Subtitle 2">
             <a:extLst>
               <a:ext uri="{FF2B5EF4-FFF2-40B4-BE49-F238E27FC236}">
-                <a16:creationId xmlns="" xmlns:a16="http://schemas.microsoft.com/office/drawing/2014/main" id="{EA607798-A9A2-4725-A9D6-B459B5DE4F32}"/>
+                <a16:creationId xmlns:a16="http://schemas.microsoft.com/office/drawing/2014/main" xmlns="" id="{EA607798-A9A2-4725-A9D6-B459B5DE4F32}"/>
               </a:ext>
             </a:extLst>
           </p:cNvPr>
@@ -6401,7 +6462,7 @@
           <p:cNvPr id="19" name="Table 7">
             <a:extLst>
               <a:ext uri="{FF2B5EF4-FFF2-40B4-BE49-F238E27FC236}">
-                <a16:creationId xmlns="" xmlns:a16="http://schemas.microsoft.com/office/drawing/2014/main" id="{73BDCA80-BA5C-4E18-932F-BB5382DF77E0}"/>
+                <a16:creationId xmlns:a16="http://schemas.microsoft.com/office/drawing/2014/main" xmlns="" id="{73BDCA80-BA5C-4E18-932F-BB5382DF77E0}"/>
               </a:ext>
             </a:extLst>
           </p:cNvPr>
@@ -6430,7 +6491,7 @@
                 <a:gridCol w="1316335">
                   <a:extLst>
                     <a:ext uri="{9D8B030D-6E8A-4147-A177-3AD203B41FA5}">
-                      <a16:colId xmlns="" xmlns:a16="http://schemas.microsoft.com/office/drawing/2014/main" val="4261527503"/>
+                      <a16:colId xmlns:a16="http://schemas.microsoft.com/office/drawing/2014/main" xmlns="" val="4261527503"/>
                     </a:ext>
                   </a:extLst>
                 </a:gridCol>
@@ -6438,42 +6499,42 @@
                 <a:gridCol w="1316364">
                   <a:extLst>
                     <a:ext uri="{9D8B030D-6E8A-4147-A177-3AD203B41FA5}">
-                      <a16:colId xmlns="" xmlns:a16="http://schemas.microsoft.com/office/drawing/2014/main" val="251991753"/>
+                      <a16:colId xmlns:a16="http://schemas.microsoft.com/office/drawing/2014/main" xmlns="" val="251991753"/>
                     </a:ext>
                   </a:extLst>
                 </a:gridCol>
                 <a:gridCol w="1316364">
                   <a:extLst>
                     <a:ext uri="{9D8B030D-6E8A-4147-A177-3AD203B41FA5}">
-                      <a16:colId xmlns="" xmlns:a16="http://schemas.microsoft.com/office/drawing/2014/main" val="4094588713"/>
+                      <a16:colId xmlns:a16="http://schemas.microsoft.com/office/drawing/2014/main" xmlns="" val="4094588713"/>
                     </a:ext>
                   </a:extLst>
                 </a:gridCol>
                 <a:gridCol w="1316364">
                   <a:extLst>
                     <a:ext uri="{9D8B030D-6E8A-4147-A177-3AD203B41FA5}">
-                      <a16:colId xmlns="" xmlns:a16="http://schemas.microsoft.com/office/drawing/2014/main" val="2463778626"/>
+                      <a16:colId xmlns:a16="http://schemas.microsoft.com/office/drawing/2014/main" xmlns="" val="2463778626"/>
                     </a:ext>
                   </a:extLst>
                 </a:gridCol>
                 <a:gridCol w="1316364">
                   <a:extLst>
                     <a:ext uri="{9D8B030D-6E8A-4147-A177-3AD203B41FA5}">
-                      <a16:colId xmlns="" xmlns:a16="http://schemas.microsoft.com/office/drawing/2014/main" val="3413055314"/>
+                      <a16:colId xmlns:a16="http://schemas.microsoft.com/office/drawing/2014/main" xmlns="" val="3413055314"/>
                     </a:ext>
                   </a:extLst>
                 </a:gridCol>
                 <a:gridCol w="1316364">
                   <a:extLst>
                     <a:ext uri="{9D8B030D-6E8A-4147-A177-3AD203B41FA5}">
-                      <a16:colId xmlns="" xmlns:a16="http://schemas.microsoft.com/office/drawing/2014/main" val="907997683"/>
+                      <a16:colId xmlns:a16="http://schemas.microsoft.com/office/drawing/2014/main" xmlns="" val="907997683"/>
                     </a:ext>
                   </a:extLst>
                 </a:gridCol>
                 <a:gridCol w="1316364">
                   <a:extLst>
                     <a:ext uri="{9D8B030D-6E8A-4147-A177-3AD203B41FA5}">
-                      <a16:colId xmlns="" xmlns:a16="http://schemas.microsoft.com/office/drawing/2014/main" val="507870828"/>
+                      <a16:colId xmlns:a16="http://schemas.microsoft.com/office/drawing/2014/main" xmlns="" val="507870828"/>
                     </a:ext>
                   </a:extLst>
                 </a:gridCol>
@@ -6596,7 +6657,7 @@
                 </a:tc>
                 <a:extLst>
                   <a:ext uri="{0D108BD9-81ED-4DB2-BD59-A6C34878D82A}">
-                    <a16:rowId xmlns="" xmlns:a16="http://schemas.microsoft.com/office/drawing/2014/main" val="3787918351"/>
+                    <a16:rowId xmlns:a16="http://schemas.microsoft.com/office/drawing/2014/main" xmlns="" val="3787918351"/>
                   </a:ext>
                 </a:extLst>
               </a:tr>
@@ -6710,7 +6771,7 @@
                 </a:tc>
                 <a:extLst>
                   <a:ext uri="{0D108BD9-81ED-4DB2-BD59-A6C34878D82A}">
-                    <a16:rowId xmlns="" xmlns:a16="http://schemas.microsoft.com/office/drawing/2014/main" val="172487012"/>
+                    <a16:rowId xmlns:a16="http://schemas.microsoft.com/office/drawing/2014/main" xmlns="" val="172487012"/>
                   </a:ext>
                 </a:extLst>
               </a:tr>
@@ -6837,7 +6898,7 @@
                 </a:tc>
                 <a:extLst>
                   <a:ext uri="{0D108BD9-81ED-4DB2-BD59-A6C34878D82A}">
-                    <a16:rowId xmlns="" xmlns:a16="http://schemas.microsoft.com/office/drawing/2014/main" val="946369147"/>
+                    <a16:rowId xmlns:a16="http://schemas.microsoft.com/office/drawing/2014/main" xmlns="" val="946369147"/>
                   </a:ext>
                 </a:extLst>
               </a:tr>
@@ -6956,7 +7017,7 @@
                 </a:tc>
                 <a:extLst>
                   <a:ext uri="{0D108BD9-81ED-4DB2-BD59-A6C34878D82A}">
-                    <a16:rowId xmlns="" xmlns:a16="http://schemas.microsoft.com/office/drawing/2014/main" val="3330047298"/>
+                    <a16:rowId xmlns:a16="http://schemas.microsoft.com/office/drawing/2014/main" xmlns="" val="3330047298"/>
                   </a:ext>
                 </a:extLst>
               </a:tr>
@@ -7075,7 +7136,7 @@
                 </a:tc>
                 <a:extLst>
                   <a:ext uri="{0D108BD9-81ED-4DB2-BD59-A6C34878D82A}">
-                    <a16:rowId xmlns="" xmlns:a16="http://schemas.microsoft.com/office/drawing/2014/main" val="3786547831"/>
+                    <a16:rowId xmlns:a16="http://schemas.microsoft.com/office/drawing/2014/main" xmlns="" val="3786547831"/>
                   </a:ext>
                 </a:extLst>
               </a:tr>
@@ -7200,7 +7261,7 @@
                 </a:tc>
                 <a:extLst>
                   <a:ext uri="{0D108BD9-81ED-4DB2-BD59-A6C34878D82A}">
-                    <a16:rowId xmlns="" xmlns:a16="http://schemas.microsoft.com/office/drawing/2014/main" val="4013885690"/>
+                    <a16:rowId xmlns:a16="http://schemas.microsoft.com/office/drawing/2014/main" xmlns="" val="4013885690"/>
                   </a:ext>
                 </a:extLst>
               </a:tr>
@@ -7327,7 +7388,7 @@
                 </a:tc>
                 <a:extLst>
                   <a:ext uri="{0D108BD9-81ED-4DB2-BD59-A6C34878D82A}">
-                    <a16:rowId xmlns="" xmlns:a16="http://schemas.microsoft.com/office/drawing/2014/main" val="1479204232"/>
+                    <a16:rowId xmlns:a16="http://schemas.microsoft.com/office/drawing/2014/main" xmlns="" val="1479204232"/>
                   </a:ext>
                 </a:extLst>
               </a:tr>

--- a/Minor.pptx
+++ b/Minor.pptx
@@ -5,7 +5,7 @@
     <p:sldMasterId id="2147483648" r:id="rId1"/>
   </p:sldMasterIdLst>
   <p:notesMasterIdLst>
-    <p:notesMasterId r:id="rId16"/>
+    <p:notesMasterId r:id="rId17"/>
   </p:notesMasterIdLst>
   <p:sldIdLst>
     <p:sldId id="256" r:id="rId2"/>
@@ -18,10 +18,11 @@
     <p:sldId id="264" r:id="rId9"/>
     <p:sldId id="265" r:id="rId10"/>
     <p:sldId id="266" r:id="rId11"/>
-    <p:sldId id="269" r:id="rId12"/>
-    <p:sldId id="263" r:id="rId13"/>
-    <p:sldId id="268" r:id="rId14"/>
-    <p:sldId id="267" r:id="rId15"/>
+    <p:sldId id="270" r:id="rId12"/>
+    <p:sldId id="269" r:id="rId13"/>
+    <p:sldId id="263" r:id="rId14"/>
+    <p:sldId id="268" r:id="rId15"/>
+    <p:sldId id="267" r:id="rId16"/>
   </p:sldIdLst>
   <p:sldSz cx="12192000" cy="6858000"/>
   <p:notesSz cx="6858000" cy="9144000"/>
@@ -543,7 +544,7 @@
           <a:p>
             <a:fld id="{0BC483C2-7D7E-4F18-B9A3-FED4A3B885C4}" type="slidenum">
               <a:rPr lang="en-IN" smtClean="0"/>
-              <a:t>12</a:t>
+              <a:t>13</a:t>
             </a:fld>
             <a:endParaRPr lang="en-IN"/>
           </a:p>
@@ -3424,7 +3425,7 @@
           <p:cNvPr id="7" name="Content Placeholder 2">
             <a:extLst>
               <a:ext uri="{FF2B5EF4-FFF2-40B4-BE49-F238E27FC236}">
-                <a16:creationId xmlns:a16="http://schemas.microsoft.com/office/drawing/2014/main" xmlns="" id="{8368BE43-2201-4A5B-97DD-06FF9DBB5F24}"/>
+                <a16:creationId xmlns="" xmlns:a16="http://schemas.microsoft.com/office/drawing/2014/main" id="{8368BE43-2201-4A5B-97DD-06FF9DBB5F24}"/>
               </a:ext>
             </a:extLst>
           </p:cNvPr>
@@ -3624,7 +3625,7 @@
           <p:cNvPr id="2" name="Rectangle 1">
             <a:extLst>
               <a:ext uri="{FF2B5EF4-FFF2-40B4-BE49-F238E27FC236}">
-                <a16:creationId xmlns:a16="http://schemas.microsoft.com/office/drawing/2014/main" xmlns="" id="{70AD63ED-062F-451A-A9BD-C79988F25481}"/>
+                <a16:creationId xmlns="" xmlns:a16="http://schemas.microsoft.com/office/drawing/2014/main" id="{70AD63ED-062F-451A-A9BD-C79988F25481}"/>
               </a:ext>
             </a:extLst>
           </p:cNvPr>
@@ -3866,7 +3867,7 @@
           <p:cNvPr id="7" name="Content Placeholder 2">
             <a:extLst>
               <a:ext uri="{FF2B5EF4-FFF2-40B4-BE49-F238E27FC236}">
-                <a16:creationId xmlns:a16="http://schemas.microsoft.com/office/drawing/2014/main" xmlns="" id="{CA26F12D-815B-45CD-9978-77690CB8128B}"/>
+                <a16:creationId xmlns="" xmlns:a16="http://schemas.microsoft.com/office/drawing/2014/main" id="{CA26F12D-815B-45CD-9978-77690CB8128B}"/>
               </a:ext>
             </a:extLst>
           </p:cNvPr>
@@ -4101,7 +4102,7 @@
           <p:cNvPr id="8" name="TextBox 7">
             <a:extLst>
               <a:ext uri="{FF2B5EF4-FFF2-40B4-BE49-F238E27FC236}">
-                <a16:creationId xmlns:a16="http://schemas.microsoft.com/office/drawing/2014/main" xmlns="" id="{5E9CDC54-A250-49E0-B4C2-0A04DDEB161C}"/>
+                <a16:creationId xmlns="" xmlns:a16="http://schemas.microsoft.com/office/drawing/2014/main" id="{5E9CDC54-A250-49E0-B4C2-0A04DDEB161C}"/>
               </a:ext>
             </a:extLst>
           </p:cNvPr>
@@ -4147,7 +4148,7 @@
           <p:cNvPr id="10" name="Content Placeholder 2">
             <a:extLst>
               <a:ext uri="{FF2B5EF4-FFF2-40B4-BE49-F238E27FC236}">
-                <a16:creationId xmlns:a16="http://schemas.microsoft.com/office/drawing/2014/main" xmlns="" id="{C8F1264B-EB10-433E-BAC6-6DD5225AA739}"/>
+                <a16:creationId xmlns="" xmlns:a16="http://schemas.microsoft.com/office/drawing/2014/main" id="{C8F1264B-EB10-433E-BAC6-6DD5225AA739}"/>
               </a:ext>
             </a:extLst>
           </p:cNvPr>
@@ -4234,7 +4235,7 @@
           <p:cNvPr id="13" name="Straight Connector 12">
             <a:extLst>
               <a:ext uri="{FF2B5EF4-FFF2-40B4-BE49-F238E27FC236}">
-                <a16:creationId xmlns:a16="http://schemas.microsoft.com/office/drawing/2014/main" xmlns="" id="{E142C477-8E62-4286-983B-D9706A354E17}"/>
+                <a16:creationId xmlns="" xmlns:a16="http://schemas.microsoft.com/office/drawing/2014/main" id="{E142C477-8E62-4286-983B-D9706A354E17}"/>
               </a:ext>
             </a:extLst>
           </p:cNvPr>
@@ -4277,7 +4278,7 @@
           <p:cNvPr id="20" name="Group 19">
             <a:extLst>
               <a:ext uri="{FF2B5EF4-FFF2-40B4-BE49-F238E27FC236}">
-                <a16:creationId xmlns:a16="http://schemas.microsoft.com/office/drawing/2014/main" xmlns="" id="{93BCB423-C962-4E94-9F53-EF6020E54F8A}"/>
+                <a16:creationId xmlns="" xmlns:a16="http://schemas.microsoft.com/office/drawing/2014/main" id="{93BCB423-C962-4E94-9F53-EF6020E54F8A}"/>
               </a:ext>
             </a:extLst>
           </p:cNvPr>
@@ -4297,7 +4298,7 @@
             <p:cNvPr id="7170" name="Picture 2" descr="Image result for opencv logo">
               <a:extLst>
                 <a:ext uri="{FF2B5EF4-FFF2-40B4-BE49-F238E27FC236}">
-                  <a16:creationId xmlns:a16="http://schemas.microsoft.com/office/drawing/2014/main" xmlns="" id="{FD3255B7-0AF7-452E-BBA0-0D562E2BE48F}"/>
+                  <a16:creationId xmlns="" xmlns:a16="http://schemas.microsoft.com/office/drawing/2014/main" id="{FD3255B7-0AF7-452E-BBA0-0D562E2BE48F}"/>
                 </a:ext>
               </a:extLst>
             </p:cNvPr>
@@ -4344,7 +4345,7 @@
             <p:cNvPr id="7172" name="Picture 4" descr="Image result for python logo">
               <a:extLst>
                 <a:ext uri="{FF2B5EF4-FFF2-40B4-BE49-F238E27FC236}">
-                  <a16:creationId xmlns:a16="http://schemas.microsoft.com/office/drawing/2014/main" xmlns="" id="{81388D05-1C95-4449-B2B3-79969A5D5573}"/>
+                  <a16:creationId xmlns="" xmlns:a16="http://schemas.microsoft.com/office/drawing/2014/main" id="{81388D05-1C95-4449-B2B3-79969A5D5573}"/>
                 </a:ext>
               </a:extLst>
             </p:cNvPr>
@@ -4391,7 +4392,7 @@
             <p:cNvPr id="19" name="Picture 18">
               <a:extLst>
                 <a:ext uri="{FF2B5EF4-FFF2-40B4-BE49-F238E27FC236}">
-                  <a16:creationId xmlns:a16="http://schemas.microsoft.com/office/drawing/2014/main" xmlns="" id="{94BBA87C-1212-47A6-857C-23806DD24289}"/>
+                  <a16:creationId xmlns="" xmlns:a16="http://schemas.microsoft.com/office/drawing/2014/main" id="{94BBA87C-1212-47A6-857C-23806DD24289}"/>
                 </a:ext>
               </a:extLst>
             </p:cNvPr>
@@ -4427,7 +4428,7 @@
             <p:cNvPr id="7174" name="Picture 6" descr="Related image">
               <a:extLst>
                 <a:ext uri="{FF2B5EF4-FFF2-40B4-BE49-F238E27FC236}">
-                  <a16:creationId xmlns:a16="http://schemas.microsoft.com/office/drawing/2014/main" xmlns="" id="{D29803B2-1DCC-4F13-ADB3-0303275DC69E}"/>
+                  <a16:creationId xmlns="" xmlns:a16="http://schemas.microsoft.com/office/drawing/2014/main" id="{D29803B2-1DCC-4F13-ADB3-0303275DC69E}"/>
                 </a:ext>
               </a:extLst>
             </p:cNvPr>
@@ -4485,7 +4486,7 @@
           <p:cNvPr id="23" name="Group 22">
             <a:extLst>
               <a:ext uri="{FF2B5EF4-FFF2-40B4-BE49-F238E27FC236}">
-                <a16:creationId xmlns:a16="http://schemas.microsoft.com/office/drawing/2014/main" xmlns="" id="{530B217A-3E04-47CA-A038-39D23E7DCD43}"/>
+                <a16:creationId xmlns="" xmlns:a16="http://schemas.microsoft.com/office/drawing/2014/main" id="{530B217A-3E04-47CA-A038-39D23E7DCD43}"/>
               </a:ext>
             </a:extLst>
           </p:cNvPr>
@@ -4505,7 +4506,7 @@
             <p:cNvPr id="14" name="Picture 2" descr="Top Django websites">
               <a:extLst>
                 <a:ext uri="{FF2B5EF4-FFF2-40B4-BE49-F238E27FC236}">
-                  <a16:creationId xmlns:a16="http://schemas.microsoft.com/office/drawing/2014/main" xmlns="" id="{DD15BBE9-892C-49BC-9E98-931029771F5D}"/>
+                  <a16:creationId xmlns="" xmlns:a16="http://schemas.microsoft.com/office/drawing/2014/main" id="{DD15BBE9-892C-49BC-9E98-931029771F5D}"/>
                 </a:ext>
               </a:extLst>
             </p:cNvPr>
@@ -4552,7 +4553,7 @@
             <p:cNvPr id="22" name="Picture 21">
               <a:extLst>
                 <a:ext uri="{FF2B5EF4-FFF2-40B4-BE49-F238E27FC236}">
-                  <a16:creationId xmlns:a16="http://schemas.microsoft.com/office/drawing/2014/main" xmlns="" id="{3363B8EE-2753-467C-95C1-681D29086CA6}"/>
+                  <a16:creationId xmlns="" xmlns:a16="http://schemas.microsoft.com/office/drawing/2014/main" id="{3363B8EE-2753-467C-95C1-681D29086CA6}"/>
                 </a:ext>
               </a:extLst>
             </p:cNvPr>
@@ -4616,6 +4617,66 @@
       </p:grpSpPr>
       <p:pic>
         <p:nvPicPr>
+          <p:cNvPr id="2" name="Picture 1"/>
+          <p:cNvPicPr>
+            <a:picLocks noChangeAspect="1"/>
+          </p:cNvPicPr>
+          <p:nvPr/>
+        </p:nvPicPr>
+        <p:blipFill>
+          <a:blip r:embed="rId2">
+            <a:extLst>
+              <a:ext uri="{28A0092B-C50C-407E-A947-70E740481C1C}">
+                <a14:useLocalDpi xmlns:a14="http://schemas.microsoft.com/office/drawing/2010/main" val="0"/>
+              </a:ext>
+            </a:extLst>
+          </a:blip>
+          <a:stretch>
+            <a:fillRect/>
+          </a:stretch>
+        </p:blipFill>
+        <p:spPr>
+          <a:xfrm>
+            <a:off x="0" y="0"/>
+            <a:ext cx="12192000" cy="6858000"/>
+          </a:xfrm>
+          <a:prstGeom prst="rect">
+            <a:avLst/>
+          </a:prstGeom>
+        </p:spPr>
+      </p:pic>
+    </p:spTree>
+    <p:extLst>
+      <p:ext uri="{BB962C8B-B14F-4D97-AF65-F5344CB8AC3E}">
+        <p14:creationId xmlns:p14="http://schemas.microsoft.com/office/powerpoint/2010/main" val="3371174584"/>
+      </p:ext>
+    </p:extLst>
+  </p:cSld>
+  <p:clrMapOvr>
+    <a:masterClrMapping/>
+  </p:clrMapOvr>
+</p:sld>
+</file>
+
+<file path=ppt/slides/slide12.xml><?xml version="1.0" encoding="utf-8"?>
+<p:sld xmlns:a="http://schemas.openxmlformats.org/drawingml/2006/main" xmlns:r="http://schemas.openxmlformats.org/officeDocument/2006/relationships" xmlns:p="http://schemas.openxmlformats.org/presentationml/2006/main">
+  <p:cSld>
+    <p:spTree>
+      <p:nvGrpSpPr>
+        <p:cNvPr id="1" name=""/>
+        <p:cNvGrpSpPr/>
+        <p:nvPr/>
+      </p:nvGrpSpPr>
+      <p:grpSpPr>
+        <a:xfrm>
+          <a:off x="0" y="0"/>
+          <a:ext cx="0" cy="0"/>
+          <a:chOff x="0" y="0"/>
+          <a:chExt cx="0" cy="0"/>
+        </a:xfrm>
+      </p:grpSpPr>
+      <p:pic>
+        <p:nvPicPr>
           <p:cNvPr id="3" name="Picture 2"/>
           <p:cNvPicPr>
             <a:picLocks noChangeAspect="1"/>
@@ -4657,7 +4718,7 @@
 </p:sld>
 </file>
 
-<file path=ppt/slides/slide12.xml><?xml version="1.0" encoding="utf-8"?>
+<file path=ppt/slides/slide13.xml><?xml version="1.0" encoding="utf-8"?>
 <p:sld xmlns:a="http://schemas.openxmlformats.org/drawingml/2006/main" xmlns:r="http://schemas.openxmlformats.org/officeDocument/2006/relationships" xmlns:p="http://schemas.openxmlformats.org/presentationml/2006/main">
   <p:cSld>
     <p:spTree>
@@ -4717,7 +4778,7 @@
 </p:sld>
 </file>
 
-<file path=ppt/slides/slide13.xml><?xml version="1.0" encoding="utf-8"?>
+<file path=ppt/slides/slide14.xml><?xml version="1.0" encoding="utf-8"?>
 <p:sld xmlns:a="http://schemas.openxmlformats.org/drawingml/2006/main" xmlns:r="http://schemas.openxmlformats.org/officeDocument/2006/relationships" xmlns:p="http://schemas.openxmlformats.org/presentationml/2006/main">
   <p:cSld>
     <p:spTree>
@@ -4777,7 +4838,7 @@
 </p:sld>
 </file>
 
-<file path=ppt/slides/slide14.xml><?xml version="1.0" encoding="utf-8"?>
+<file path=ppt/slides/slide15.xml><?xml version="1.0" encoding="utf-8"?>
 <p:sld xmlns:a="http://schemas.openxmlformats.org/drawingml/2006/main" xmlns:r="http://schemas.openxmlformats.org/officeDocument/2006/relationships" xmlns:p="http://schemas.openxmlformats.org/presentationml/2006/main">
   <p:cSld>
     <p:spTree>
@@ -4860,7 +4921,7 @@
           <p:cNvPr id="6" name="TextBox 5">
             <a:extLst>
               <a:ext uri="{FF2B5EF4-FFF2-40B4-BE49-F238E27FC236}">
-                <a16:creationId xmlns:a16="http://schemas.microsoft.com/office/drawing/2014/main" xmlns="" id="{7ED6E931-322E-47BD-8959-5356A0A7EB74}"/>
+                <a16:creationId xmlns="" xmlns:a16="http://schemas.microsoft.com/office/drawing/2014/main" id="{7ED6E931-322E-47BD-8959-5356A0A7EB74}"/>
               </a:ext>
             </a:extLst>
           </p:cNvPr>
@@ -5570,7 +5631,7 @@
           <p:cNvPr id="5" name="Rectangle 4">
             <a:extLst>
               <a:ext uri="{FF2B5EF4-FFF2-40B4-BE49-F238E27FC236}">
-                <a16:creationId xmlns:a16="http://schemas.microsoft.com/office/drawing/2014/main" xmlns="" id="{082ED487-BF88-4874-BAD3-A81CBE88F667}"/>
+                <a16:creationId xmlns="" xmlns:a16="http://schemas.microsoft.com/office/drawing/2014/main" id="{082ED487-BF88-4874-BAD3-A81CBE88F667}"/>
               </a:ext>
             </a:extLst>
           </p:cNvPr>
@@ -5643,7 +5704,7 @@
           <p:cNvPr id="6" name="Picture 2">
             <a:extLst>
               <a:ext uri="{FF2B5EF4-FFF2-40B4-BE49-F238E27FC236}">
-                <a16:creationId xmlns:a16="http://schemas.microsoft.com/office/drawing/2014/main" xmlns="" id="{2DEF58C1-210E-4A47-AE2B-ABEEFFFC256D}"/>
+                <a16:creationId xmlns="" xmlns:a16="http://schemas.microsoft.com/office/drawing/2014/main" id="{2DEF58C1-210E-4A47-AE2B-ABEEFFFC256D}"/>
               </a:ext>
             </a:extLst>
           </p:cNvPr>
@@ -6348,7 +6409,7 @@
           <p:cNvPr id="3" name="Subtitle 2">
             <a:extLst>
               <a:ext uri="{FF2B5EF4-FFF2-40B4-BE49-F238E27FC236}">
-                <a16:creationId xmlns:a16="http://schemas.microsoft.com/office/drawing/2014/main" xmlns="" id="{EA607798-A9A2-4725-A9D6-B459B5DE4F32}"/>
+                <a16:creationId xmlns="" xmlns:a16="http://schemas.microsoft.com/office/drawing/2014/main" id="{EA607798-A9A2-4725-A9D6-B459B5DE4F32}"/>
               </a:ext>
             </a:extLst>
           </p:cNvPr>
@@ -6462,7 +6523,7 @@
           <p:cNvPr id="19" name="Table 7">
             <a:extLst>
               <a:ext uri="{FF2B5EF4-FFF2-40B4-BE49-F238E27FC236}">
-                <a16:creationId xmlns:a16="http://schemas.microsoft.com/office/drawing/2014/main" xmlns="" id="{73BDCA80-BA5C-4E18-932F-BB5382DF77E0}"/>
+                <a16:creationId xmlns="" xmlns:a16="http://schemas.microsoft.com/office/drawing/2014/main" id="{73BDCA80-BA5C-4E18-932F-BB5382DF77E0}"/>
               </a:ext>
             </a:extLst>
           </p:cNvPr>
@@ -6491,7 +6552,7 @@
                 <a:gridCol w="1316335">
                   <a:extLst>
                     <a:ext uri="{9D8B030D-6E8A-4147-A177-3AD203B41FA5}">
-                      <a16:colId xmlns:a16="http://schemas.microsoft.com/office/drawing/2014/main" xmlns="" val="4261527503"/>
+                      <a16:colId xmlns="" xmlns:a16="http://schemas.microsoft.com/office/drawing/2014/main" val="4261527503"/>
                     </a:ext>
                   </a:extLst>
                 </a:gridCol>
@@ -6499,42 +6560,42 @@
                 <a:gridCol w="1316364">
                   <a:extLst>
                     <a:ext uri="{9D8B030D-6E8A-4147-A177-3AD203B41FA5}">
-                      <a16:colId xmlns:a16="http://schemas.microsoft.com/office/drawing/2014/main" xmlns="" val="251991753"/>
+                      <a16:colId xmlns="" xmlns:a16="http://schemas.microsoft.com/office/drawing/2014/main" val="251991753"/>
                     </a:ext>
                   </a:extLst>
                 </a:gridCol>
                 <a:gridCol w="1316364">
                   <a:extLst>
                     <a:ext uri="{9D8B030D-6E8A-4147-A177-3AD203B41FA5}">
-                      <a16:colId xmlns:a16="http://schemas.microsoft.com/office/drawing/2014/main" xmlns="" val="4094588713"/>
+                      <a16:colId xmlns="" xmlns:a16="http://schemas.microsoft.com/office/drawing/2014/main" val="4094588713"/>
                     </a:ext>
                   </a:extLst>
                 </a:gridCol>
                 <a:gridCol w="1316364">
                   <a:extLst>
                     <a:ext uri="{9D8B030D-6E8A-4147-A177-3AD203B41FA5}">
-                      <a16:colId xmlns:a16="http://schemas.microsoft.com/office/drawing/2014/main" xmlns="" val="2463778626"/>
+                      <a16:colId xmlns="" xmlns:a16="http://schemas.microsoft.com/office/drawing/2014/main" val="2463778626"/>
                     </a:ext>
                   </a:extLst>
                 </a:gridCol>
                 <a:gridCol w="1316364">
                   <a:extLst>
                     <a:ext uri="{9D8B030D-6E8A-4147-A177-3AD203B41FA5}">
-                      <a16:colId xmlns:a16="http://schemas.microsoft.com/office/drawing/2014/main" xmlns="" val="3413055314"/>
+                      <a16:colId xmlns="" xmlns:a16="http://schemas.microsoft.com/office/drawing/2014/main" val="3413055314"/>
                     </a:ext>
                   </a:extLst>
                 </a:gridCol>
                 <a:gridCol w="1316364">
                   <a:extLst>
                     <a:ext uri="{9D8B030D-6E8A-4147-A177-3AD203B41FA5}">
-                      <a16:colId xmlns:a16="http://schemas.microsoft.com/office/drawing/2014/main" xmlns="" val="907997683"/>
+                      <a16:colId xmlns="" xmlns:a16="http://schemas.microsoft.com/office/drawing/2014/main" val="907997683"/>
                     </a:ext>
                   </a:extLst>
                 </a:gridCol>
                 <a:gridCol w="1316364">
                   <a:extLst>
                     <a:ext uri="{9D8B030D-6E8A-4147-A177-3AD203B41FA5}">
-                      <a16:colId xmlns:a16="http://schemas.microsoft.com/office/drawing/2014/main" xmlns="" val="507870828"/>
+                      <a16:colId xmlns="" xmlns:a16="http://schemas.microsoft.com/office/drawing/2014/main" val="507870828"/>
                     </a:ext>
                   </a:extLst>
                 </a:gridCol>
@@ -6657,7 +6718,7 @@
                 </a:tc>
                 <a:extLst>
                   <a:ext uri="{0D108BD9-81ED-4DB2-BD59-A6C34878D82A}">
-                    <a16:rowId xmlns:a16="http://schemas.microsoft.com/office/drawing/2014/main" xmlns="" val="3787918351"/>
+                    <a16:rowId xmlns="" xmlns:a16="http://schemas.microsoft.com/office/drawing/2014/main" val="3787918351"/>
                   </a:ext>
                 </a:extLst>
               </a:tr>
@@ -6771,7 +6832,7 @@
                 </a:tc>
                 <a:extLst>
                   <a:ext uri="{0D108BD9-81ED-4DB2-BD59-A6C34878D82A}">
-                    <a16:rowId xmlns:a16="http://schemas.microsoft.com/office/drawing/2014/main" xmlns="" val="172487012"/>
+                    <a16:rowId xmlns="" xmlns:a16="http://schemas.microsoft.com/office/drawing/2014/main" val="172487012"/>
                   </a:ext>
                 </a:extLst>
               </a:tr>
@@ -6898,7 +6959,7 @@
                 </a:tc>
                 <a:extLst>
                   <a:ext uri="{0D108BD9-81ED-4DB2-BD59-A6C34878D82A}">
-                    <a16:rowId xmlns:a16="http://schemas.microsoft.com/office/drawing/2014/main" xmlns="" val="946369147"/>
+                    <a16:rowId xmlns="" xmlns:a16="http://schemas.microsoft.com/office/drawing/2014/main" val="946369147"/>
                   </a:ext>
                 </a:extLst>
               </a:tr>
@@ -7017,7 +7078,7 @@
                 </a:tc>
                 <a:extLst>
                   <a:ext uri="{0D108BD9-81ED-4DB2-BD59-A6C34878D82A}">
-                    <a16:rowId xmlns:a16="http://schemas.microsoft.com/office/drawing/2014/main" xmlns="" val="3330047298"/>
+                    <a16:rowId xmlns="" xmlns:a16="http://schemas.microsoft.com/office/drawing/2014/main" val="3330047298"/>
                   </a:ext>
                 </a:extLst>
               </a:tr>
@@ -7136,7 +7197,7 @@
                 </a:tc>
                 <a:extLst>
                   <a:ext uri="{0D108BD9-81ED-4DB2-BD59-A6C34878D82A}">
-                    <a16:rowId xmlns:a16="http://schemas.microsoft.com/office/drawing/2014/main" xmlns="" val="3786547831"/>
+                    <a16:rowId xmlns="" xmlns:a16="http://schemas.microsoft.com/office/drawing/2014/main" val="3786547831"/>
                   </a:ext>
                 </a:extLst>
               </a:tr>
@@ -7261,7 +7322,7 @@
                 </a:tc>
                 <a:extLst>
                   <a:ext uri="{0D108BD9-81ED-4DB2-BD59-A6C34878D82A}">
-                    <a16:rowId xmlns:a16="http://schemas.microsoft.com/office/drawing/2014/main" xmlns="" val="4013885690"/>
+                    <a16:rowId xmlns="" xmlns:a16="http://schemas.microsoft.com/office/drawing/2014/main" val="4013885690"/>
                   </a:ext>
                 </a:extLst>
               </a:tr>
@@ -7388,7 +7449,7 @@
                 </a:tc>
                 <a:extLst>
                   <a:ext uri="{0D108BD9-81ED-4DB2-BD59-A6C34878D82A}">
-                    <a16:rowId xmlns:a16="http://schemas.microsoft.com/office/drawing/2014/main" xmlns="" val="1479204232"/>
+                    <a16:rowId xmlns="" xmlns:a16="http://schemas.microsoft.com/office/drawing/2014/main" val="1479204232"/>
                   </a:ext>
                 </a:extLst>
               </a:tr>

--- a/Minor.pptx
+++ b/Minor.pptx
@@ -5,7 +5,7 @@
     <p:sldMasterId id="2147483648" r:id="rId1"/>
   </p:sldMasterIdLst>
   <p:notesMasterIdLst>
-    <p:notesMasterId r:id="rId17"/>
+    <p:notesMasterId r:id="rId16"/>
   </p:notesMasterIdLst>
   <p:sldIdLst>
     <p:sldId id="256" r:id="rId2"/>
@@ -18,11 +18,10 @@
     <p:sldId id="264" r:id="rId9"/>
     <p:sldId id="265" r:id="rId10"/>
     <p:sldId id="266" r:id="rId11"/>
-    <p:sldId id="270" r:id="rId12"/>
-    <p:sldId id="269" r:id="rId13"/>
-    <p:sldId id="263" r:id="rId14"/>
-    <p:sldId id="268" r:id="rId15"/>
-    <p:sldId id="267" r:id="rId16"/>
+    <p:sldId id="269" r:id="rId12"/>
+    <p:sldId id="263" r:id="rId13"/>
+    <p:sldId id="268" r:id="rId14"/>
+    <p:sldId id="267" r:id="rId15"/>
   </p:sldIdLst>
   <p:sldSz cx="12192000" cy="6858000"/>
   <p:notesSz cx="6858000" cy="9144000"/>
@@ -544,7 +543,7 @@
           <a:p>
             <a:fld id="{0BC483C2-7D7E-4F18-B9A3-FED4A3B885C4}" type="slidenum">
               <a:rPr lang="en-IN" smtClean="0"/>
-              <a:t>13</a:t>
+              <a:t>12</a:t>
             </a:fld>
             <a:endParaRPr lang="en-IN"/>
           </a:p>
@@ -4617,66 +4616,6 @@
       </p:grpSpPr>
       <p:pic>
         <p:nvPicPr>
-          <p:cNvPr id="2" name="Picture 1"/>
-          <p:cNvPicPr>
-            <a:picLocks noChangeAspect="1"/>
-          </p:cNvPicPr>
-          <p:nvPr/>
-        </p:nvPicPr>
-        <p:blipFill>
-          <a:blip r:embed="rId2">
-            <a:extLst>
-              <a:ext uri="{28A0092B-C50C-407E-A947-70E740481C1C}">
-                <a14:useLocalDpi xmlns:a14="http://schemas.microsoft.com/office/drawing/2010/main" val="0"/>
-              </a:ext>
-            </a:extLst>
-          </a:blip>
-          <a:stretch>
-            <a:fillRect/>
-          </a:stretch>
-        </p:blipFill>
-        <p:spPr>
-          <a:xfrm>
-            <a:off x="0" y="0"/>
-            <a:ext cx="12192000" cy="6858000"/>
-          </a:xfrm>
-          <a:prstGeom prst="rect">
-            <a:avLst/>
-          </a:prstGeom>
-        </p:spPr>
-      </p:pic>
-    </p:spTree>
-    <p:extLst>
-      <p:ext uri="{BB962C8B-B14F-4D97-AF65-F5344CB8AC3E}">
-        <p14:creationId xmlns:p14="http://schemas.microsoft.com/office/powerpoint/2010/main" val="3371174584"/>
-      </p:ext>
-    </p:extLst>
-  </p:cSld>
-  <p:clrMapOvr>
-    <a:masterClrMapping/>
-  </p:clrMapOvr>
-</p:sld>
-</file>
-
-<file path=ppt/slides/slide12.xml><?xml version="1.0" encoding="utf-8"?>
-<p:sld xmlns:a="http://schemas.openxmlformats.org/drawingml/2006/main" xmlns:r="http://schemas.openxmlformats.org/officeDocument/2006/relationships" xmlns:p="http://schemas.openxmlformats.org/presentationml/2006/main">
-  <p:cSld>
-    <p:spTree>
-      <p:nvGrpSpPr>
-        <p:cNvPr id="1" name=""/>
-        <p:cNvGrpSpPr/>
-        <p:nvPr/>
-      </p:nvGrpSpPr>
-      <p:grpSpPr>
-        <a:xfrm>
-          <a:off x="0" y="0"/>
-          <a:ext cx="0" cy="0"/>
-          <a:chOff x="0" y="0"/>
-          <a:chExt cx="0" cy="0"/>
-        </a:xfrm>
-      </p:grpSpPr>
-      <p:pic>
-        <p:nvPicPr>
           <p:cNvPr id="3" name="Picture 2"/>
           <p:cNvPicPr>
             <a:picLocks noChangeAspect="1"/>
@@ -4718,7 +4657,7 @@
 </p:sld>
 </file>
 
-<file path=ppt/slides/slide13.xml><?xml version="1.0" encoding="utf-8"?>
+<file path=ppt/slides/slide12.xml><?xml version="1.0" encoding="utf-8"?>
 <p:sld xmlns:a="http://schemas.openxmlformats.org/drawingml/2006/main" xmlns:r="http://schemas.openxmlformats.org/officeDocument/2006/relationships" xmlns:p="http://schemas.openxmlformats.org/presentationml/2006/main">
   <p:cSld>
     <p:spTree>
@@ -4778,7 +4717,7 @@
 </p:sld>
 </file>
 
-<file path=ppt/slides/slide14.xml><?xml version="1.0" encoding="utf-8"?>
+<file path=ppt/slides/slide13.xml><?xml version="1.0" encoding="utf-8"?>
 <p:sld xmlns:a="http://schemas.openxmlformats.org/drawingml/2006/main" xmlns:r="http://schemas.openxmlformats.org/officeDocument/2006/relationships" xmlns:p="http://schemas.openxmlformats.org/presentationml/2006/main">
   <p:cSld>
     <p:spTree>
@@ -4838,7 +4777,7 @@
 </p:sld>
 </file>
 
-<file path=ppt/slides/slide15.xml><?xml version="1.0" encoding="utf-8"?>
+<file path=ppt/slides/slide14.xml><?xml version="1.0" encoding="utf-8"?>
 <p:sld xmlns:a="http://schemas.openxmlformats.org/drawingml/2006/main" xmlns:r="http://schemas.openxmlformats.org/officeDocument/2006/relationships" xmlns:p="http://schemas.openxmlformats.org/presentationml/2006/main">
   <p:cSld>
     <p:spTree>
